--- a/report/report.pptx
+++ b/report/report.pptx
@@ -5,21 +5,22 @@
     <p:sldMasterId id="2147483648" r:id="rId1"/>
   </p:sldMasterIdLst>
   <p:notesMasterIdLst>
-    <p:notesMasterId r:id="rId11"/>
+    <p:notesMasterId r:id="rId12"/>
   </p:notesMasterIdLst>
   <p:handoutMasterIdLst>
-    <p:handoutMasterId r:id="rId12"/>
+    <p:handoutMasterId r:id="rId13"/>
   </p:handoutMasterIdLst>
   <p:sldIdLst>
     <p:sldId id="256" r:id="rId2"/>
     <p:sldId id="257" r:id="rId3"/>
     <p:sldId id="266" r:id="rId4"/>
-    <p:sldId id="259" r:id="rId5"/>
-    <p:sldId id="264" r:id="rId6"/>
-    <p:sldId id="261" r:id="rId7"/>
-    <p:sldId id="267" r:id="rId8"/>
-    <p:sldId id="265" r:id="rId9"/>
-    <p:sldId id="260" r:id="rId10"/>
+    <p:sldId id="268" r:id="rId5"/>
+    <p:sldId id="259" r:id="rId6"/>
+    <p:sldId id="264" r:id="rId7"/>
+    <p:sldId id="261" r:id="rId8"/>
+    <p:sldId id="267" r:id="rId9"/>
+    <p:sldId id="265" r:id="rId10"/>
+    <p:sldId id="260" r:id="rId11"/>
   </p:sldIdLst>
   <p:sldSz cx="12192000" cy="6858000"/>
   <p:notesSz cx="6858000" cy="9144000"/>
@@ -124,14 +125,6 @@
     </p:ext>
   </p:extLst>
 </p:presentation>
-</file>
-
-<file path=ppt/revisionInfo.xml><?xml version="1.0" encoding="utf-8"?>
-<p1510:revInfo xmlns:a="http://schemas.openxmlformats.org/drawingml/2006/main" xmlns:r="http://schemas.openxmlformats.org/officeDocument/2006/relationships" xmlns:p1510="http://schemas.microsoft.com/office/powerpoint/2015/10/main">
-  <p1510:revLst>
-    <p1510:client id="{AA2049F7-70D7-46CC-B463-0F63B73977D9}" v="3047" dt="2023-06-03T13:49:03.863"/>
-  </p1510:revLst>
-</p1510:revInfo>
 </file>
 
 <file path=ppt/handoutMasters/handoutMaster1.xml><?xml version="1.0" encoding="utf-8"?>
@@ -748,7 +741,7 @@
           <a:p>
             <a:fld id="{0A4CC95F-4568-4A96-BA39-972956674FD5}" type="slidenum">
               <a:rPr lang="en-US" smtClean="0"/>
-              <a:t>5</a:t>
+              <a:t>6</a:t>
             </a:fld>
             <a:endParaRPr lang="en-US"/>
           </a:p>
@@ -4452,6 +4445,208 @@
 </p:sld>
 </file>
 
+<file path=ppt/slides/slide10.xml><?xml version="1.0" encoding="utf-8"?>
+<p:sld xmlns:a="http://schemas.openxmlformats.org/drawingml/2006/main" xmlns:r="http://schemas.openxmlformats.org/officeDocument/2006/relationships" xmlns:p="http://schemas.openxmlformats.org/presentationml/2006/main">
+  <p:cSld>
+    <p:bg>
+      <p:bgPr>
+        <a:blipFill dpi="0" rotWithShape="1">
+          <a:blip r:embed="rId2">
+            <a:lum/>
+          </a:blip>
+          <a:srcRect/>
+          <a:stretch>
+            <a:fillRect/>
+          </a:stretch>
+        </a:blipFill>
+        <a:effectLst/>
+      </p:bgPr>
+    </p:bg>
+    <p:spTree>
+      <p:nvGrpSpPr>
+        <p:cNvPr id="1" name=""/>
+        <p:cNvGrpSpPr/>
+        <p:nvPr/>
+      </p:nvGrpSpPr>
+      <p:grpSpPr>
+        <a:xfrm>
+          <a:off x="0" y="0"/>
+          <a:ext cx="0" cy="0"/>
+          <a:chOff x="0" y="0"/>
+          <a:chExt cx="0" cy="0"/>
+        </a:xfrm>
+      </p:grpSpPr>
+      <p:sp>
+        <p:nvSpPr>
+          <p:cNvPr id="9" name="CaixaDeTexto 8">
+            <a:extLst>
+              <a:ext uri="{FF2B5EF4-FFF2-40B4-BE49-F238E27FC236}">
+                <a16:creationId xmlns:a16="http://schemas.microsoft.com/office/drawing/2014/main" id="{7CB4FF7E-7793-1055-7577-2849D86E70EC}"/>
+              </a:ext>
+            </a:extLst>
+          </p:cNvPr>
+          <p:cNvSpPr txBox="1"/>
+          <p:nvPr/>
+        </p:nvSpPr>
+        <p:spPr>
+          <a:xfrm>
+            <a:off x="5581650" y="3105834"/>
+            <a:ext cx="1028700" cy="646331"/>
+          </a:xfrm>
+          <a:prstGeom prst="rect">
+            <a:avLst/>
+          </a:prstGeom>
+          <a:noFill/>
+        </p:spPr>
+        <p:txBody>
+          <a:bodyPr wrap="square" rtlCol="0">
+            <a:spAutoFit/>
+          </a:bodyPr>
+          <a:lstStyle/>
+          <a:p>
+            <a:r>
+              <a:rPr lang="pt-PT" sz="3600" b="1" dirty="0">
+                <a:solidFill>
+                  <a:schemeClr val="bg1"/>
+                </a:solidFill>
+                <a:cs typeface="Arial" panose="020B0604020202020204" pitchFamily="34" charset="0"/>
+              </a:rPr>
+              <a:t>Fim!</a:t>
+            </a:r>
+            <a:endParaRPr lang="en-US" sz="3600" b="1" dirty="0">
+              <a:solidFill>
+                <a:schemeClr val="bg1"/>
+              </a:solidFill>
+              <a:cs typeface="Arial" panose="020B0604020202020204" pitchFamily="34" charset="0"/>
+            </a:endParaRPr>
+          </a:p>
+        </p:txBody>
+      </p:sp>
+      <p:sp>
+        <p:nvSpPr>
+          <p:cNvPr id="10" name="CaixaDeTexto 9">
+            <a:extLst>
+              <a:ext uri="{FF2B5EF4-FFF2-40B4-BE49-F238E27FC236}">
+                <a16:creationId xmlns:a16="http://schemas.microsoft.com/office/drawing/2014/main" id="{924C1F5A-A33C-B391-9FF7-FFD49ED2134E}"/>
+              </a:ext>
+            </a:extLst>
+          </p:cNvPr>
+          <p:cNvSpPr txBox="1"/>
+          <p:nvPr/>
+        </p:nvSpPr>
+        <p:spPr>
+          <a:xfrm>
+            <a:off x="8785621" y="5209490"/>
+            <a:ext cx="2324100" cy="369332"/>
+          </a:xfrm>
+          <a:prstGeom prst="rect">
+            <a:avLst/>
+          </a:prstGeom>
+          <a:noFill/>
+        </p:spPr>
+        <p:txBody>
+          <a:bodyPr wrap="square" rtlCol="0">
+            <a:spAutoFit/>
+          </a:bodyPr>
+          <a:lstStyle/>
+          <a:p>
+            <a:r>
+              <a:rPr lang="pt-PT" dirty="0">
+                <a:solidFill>
+                  <a:schemeClr val="bg1"/>
+                </a:solidFill>
+              </a:rPr>
+              <a:t>Trabalho realizado por: </a:t>
+            </a:r>
+            <a:endParaRPr lang="en-US" dirty="0">
+              <a:solidFill>
+                <a:schemeClr val="bg1"/>
+              </a:solidFill>
+            </a:endParaRPr>
+          </a:p>
+        </p:txBody>
+      </p:sp>
+      <p:sp>
+        <p:nvSpPr>
+          <p:cNvPr id="12" name="CaixaDeTexto 11">
+            <a:extLst>
+              <a:ext uri="{FF2B5EF4-FFF2-40B4-BE49-F238E27FC236}">
+                <a16:creationId xmlns:a16="http://schemas.microsoft.com/office/drawing/2014/main" id="{76735A41-40D1-747A-33E1-DB79749E9965}"/>
+              </a:ext>
+            </a:extLst>
+          </p:cNvPr>
+          <p:cNvSpPr txBox="1"/>
+          <p:nvPr/>
+        </p:nvSpPr>
+        <p:spPr>
+          <a:xfrm>
+            <a:off x="8785621" y="5578822"/>
+            <a:ext cx="3307557" cy="861774"/>
+          </a:xfrm>
+          <a:prstGeom prst="rect">
+            <a:avLst/>
+          </a:prstGeom>
+          <a:noFill/>
+        </p:spPr>
+        <p:txBody>
+          <a:bodyPr wrap="square" rtlCol="0">
+            <a:spAutoFit/>
+          </a:bodyPr>
+          <a:lstStyle/>
+          <a:p>
+            <a:pPr marL="285750" indent="-285750">
+              <a:buFont typeface="Arial" panose="020B0604020202020204" pitchFamily="34" charset="0"/>
+              <a:buChar char="•"/>
+            </a:pPr>
+            <a:r>
+              <a:rPr lang="pt-BR" sz="1600" dirty="0">
+                <a:solidFill>
+                  <a:schemeClr val="bg1"/>
+                </a:solidFill>
+              </a:rPr>
+              <a:t>Gonçalo Bárias (103124)</a:t>
+            </a:r>
+          </a:p>
+          <a:p>
+            <a:pPr marL="285750" indent="-285750">
+              <a:buFont typeface="Arial" panose="020B0604020202020204" pitchFamily="34" charset="0"/>
+              <a:buChar char="•"/>
+            </a:pPr>
+            <a:r>
+              <a:rPr lang="pt-BR" sz="1600" dirty="0">
+                <a:solidFill>
+                  <a:schemeClr val="bg1"/>
+                </a:solidFill>
+              </a:rPr>
+              <a:t>Raquel Braunshweig (102624)</a:t>
+            </a:r>
+            <a:endParaRPr lang="en-US" sz="1600" dirty="0">
+              <a:solidFill>
+                <a:schemeClr val="bg1"/>
+              </a:solidFill>
+            </a:endParaRPr>
+          </a:p>
+          <a:p>
+            <a:endParaRPr lang="en-US" dirty="0"/>
+          </a:p>
+        </p:txBody>
+      </p:sp>
+    </p:spTree>
+    <p:extLst>
+      <p:ext uri="{BB962C8B-B14F-4D97-AF65-F5344CB8AC3E}">
+        <p14:creationId xmlns:p14="http://schemas.microsoft.com/office/powerpoint/2010/main" val="4289374786"/>
+      </p:ext>
+    </p:extLst>
+  </p:cSld>
+  <p:clrMapOvr>
+    <a:masterClrMapping/>
+  </p:clrMapOvr>
+  <p:transition spd="slow">
+    <p:push dir="u"/>
+  </p:transition>
+</p:sld>
+</file>
+
 <file path=ppt/slides/slide2.xml><?xml version="1.0" encoding="utf-8"?>
 <p:sld xmlns:a="http://schemas.openxmlformats.org/drawingml/2006/main" xmlns:r="http://schemas.openxmlformats.org/officeDocument/2006/relationships" xmlns:p="http://schemas.openxmlformats.org/presentationml/2006/main">
   <p:cSld>
@@ -4700,7 +4895,7 @@
                   <a:srgbClr val="00A0E4"/>
                 </a:solidFill>
               </a:rPr>
-              <a:t>02 – Inferência</a:t>
+              <a:t>02 – Restrições</a:t>
             </a:r>
             <a:endParaRPr lang="en-US" sz="2000" b="1" dirty="0">
               <a:solidFill>
@@ -4775,6 +4970,100 @@
         <p:spPr>
           <a:xfrm>
             <a:off x="666748" y="3618908"/>
+            <a:ext cx="3371852" cy="338554"/>
+          </a:xfrm>
+          <a:prstGeom prst="rect">
+            <a:avLst/>
+          </a:prstGeom>
+          <a:noFill/>
+        </p:spPr>
+        <p:txBody>
+          <a:bodyPr wrap="square" rtlCol="0">
+            <a:spAutoFit/>
+          </a:bodyPr>
+          <a:lstStyle/>
+          <a:p>
+            <a:r>
+              <a:rPr lang="pt-PT" sz="1600" dirty="0">
+                <a:solidFill>
+                  <a:schemeClr val="bg2">
+                    <a:lumMod val="50000"/>
+                  </a:schemeClr>
+                </a:solidFill>
+                <a:cs typeface="Arial" panose="020B0604020202020204" pitchFamily="34" charset="0"/>
+              </a:rPr>
+              <a:t>Restrições do problema apresentado.</a:t>
+            </a:r>
+            <a:endParaRPr lang="en-US" sz="1600" dirty="0">
+              <a:solidFill>
+                <a:schemeClr val="bg2">
+                  <a:lumMod val="50000"/>
+                </a:schemeClr>
+              </a:solidFill>
+              <a:cs typeface="Arial" panose="020B0604020202020204" pitchFamily="34" charset="0"/>
+            </a:endParaRPr>
+          </a:p>
+        </p:txBody>
+      </p:sp>
+      <p:sp>
+        <p:nvSpPr>
+          <p:cNvPr id="17" name="CaixaDeTexto 16">
+            <a:extLst>
+              <a:ext uri="{FF2B5EF4-FFF2-40B4-BE49-F238E27FC236}">
+                <a16:creationId xmlns:a16="http://schemas.microsoft.com/office/drawing/2014/main" id="{02FAC5AD-693F-46DD-7882-350FB3C72DBB}"/>
+              </a:ext>
+            </a:extLst>
+          </p:cNvPr>
+          <p:cNvSpPr txBox="1"/>
+          <p:nvPr/>
+        </p:nvSpPr>
+        <p:spPr>
+          <a:xfrm>
+            <a:off x="666748" y="4346380"/>
+            <a:ext cx="3486152" cy="400110"/>
+          </a:xfrm>
+          <a:prstGeom prst="rect">
+            <a:avLst/>
+          </a:prstGeom>
+          <a:noFill/>
+        </p:spPr>
+        <p:txBody>
+          <a:bodyPr wrap="square" rtlCol="0">
+            <a:spAutoFit/>
+          </a:bodyPr>
+          <a:lstStyle/>
+          <a:p>
+            <a:r>
+              <a:rPr lang="pt-PT" sz="2000" b="1" dirty="0">
+                <a:solidFill>
+                  <a:srgbClr val="00A0E4"/>
+                </a:solidFill>
+              </a:rPr>
+              <a:t>03 – Inferência</a:t>
+            </a:r>
+            <a:endParaRPr lang="en-US" sz="2000" b="1" dirty="0">
+              <a:solidFill>
+                <a:srgbClr val="00A0E4"/>
+              </a:solidFill>
+            </a:endParaRPr>
+          </a:p>
+        </p:txBody>
+      </p:sp>
+      <p:sp>
+        <p:nvSpPr>
+          <p:cNvPr id="18" name="CaixaDeTexto 17">
+            <a:extLst>
+              <a:ext uri="{FF2B5EF4-FFF2-40B4-BE49-F238E27FC236}">
+                <a16:creationId xmlns:a16="http://schemas.microsoft.com/office/drawing/2014/main" id="{171C053C-6798-2B91-5DBC-08DF73D77AA5}"/>
+              </a:ext>
+            </a:extLst>
+          </p:cNvPr>
+          <p:cNvSpPr txBox="1"/>
+          <p:nvPr/>
+        </p:nvSpPr>
+        <p:spPr>
+          <a:xfrm>
+            <a:off x="666748" y="4746490"/>
             <a:ext cx="3371852" cy="584775"/>
           </a:xfrm>
           <a:prstGeom prst="rect">
@@ -4812,10 +5101,10 @@
       </p:sp>
       <p:sp>
         <p:nvSpPr>
-          <p:cNvPr id="17" name="CaixaDeTexto 16">
-            <a:extLst>
-              <a:ext uri="{FF2B5EF4-FFF2-40B4-BE49-F238E27FC236}">
-                <a16:creationId xmlns:a16="http://schemas.microsoft.com/office/drawing/2014/main" id="{02FAC5AD-693F-46DD-7882-350FB3C72DBB}"/>
+          <p:cNvPr id="25" name="CaixaDeTexto 24">
+            <a:extLst>
+              <a:ext uri="{FF2B5EF4-FFF2-40B4-BE49-F238E27FC236}">
+                <a16:creationId xmlns:a16="http://schemas.microsoft.com/office/drawing/2014/main" id="{2513D95F-675A-8834-41A3-AF84D5AF5518}"/>
               </a:ext>
             </a:extLst>
           </p:cNvPr>
@@ -4824,8 +5113,8 @@
         </p:nvSpPr>
         <p:spPr>
           <a:xfrm>
-            <a:off x="666748" y="4346380"/>
-            <a:ext cx="3486152" cy="400110"/>
+            <a:off x="4552950" y="2082999"/>
+            <a:ext cx="3186512" cy="400110"/>
           </a:xfrm>
           <a:prstGeom prst="rect">
             <a:avLst/>
@@ -4838,13 +5127,67 @@
           </a:bodyPr>
           <a:lstStyle/>
           <a:p>
+            <a:r>
+              <a:rPr lang="pt-PT" sz="2000" b="1" dirty="0">
+                <a:solidFill>
+                  <a:srgbClr val="00A0E4"/>
+                </a:solidFill>
+                <a:cs typeface="Arial" panose="020B0604020202020204" pitchFamily="34" charset="0"/>
+              </a:rPr>
+              <a:t>04</a:t>
+            </a:r>
             <a:r>
               <a:rPr lang="pt-PT" sz="2000" b="1" dirty="0">
                 <a:solidFill>
                   <a:srgbClr val="00A0E4"/>
                 </a:solidFill>
               </a:rPr>
-              <a:t>03 – Isolar e encontrar peça</a:t>
+              <a:t> – Isolar e encontrar peça</a:t>
+            </a:r>
+            <a:endParaRPr lang="en-US" sz="2000" b="1" dirty="0">
+              <a:solidFill>
+                <a:srgbClr val="00A0E4"/>
+              </a:solidFill>
+              <a:cs typeface="Arial" panose="020B0604020202020204" pitchFamily="34" charset="0"/>
+            </a:endParaRPr>
+          </a:p>
+        </p:txBody>
+      </p:sp>
+      <p:sp>
+        <p:nvSpPr>
+          <p:cNvPr id="26" name="CaixaDeTexto 25">
+            <a:extLst>
+              <a:ext uri="{FF2B5EF4-FFF2-40B4-BE49-F238E27FC236}">
+                <a16:creationId xmlns:a16="http://schemas.microsoft.com/office/drawing/2014/main" id="{AF8D1528-461F-683D-754E-99C7A37B4A59}"/>
+              </a:ext>
+            </a:extLst>
+          </p:cNvPr>
+          <p:cNvSpPr txBox="1"/>
+          <p:nvPr/>
+        </p:nvSpPr>
+        <p:spPr>
+          <a:xfrm>
+            <a:off x="4552950" y="3215823"/>
+            <a:ext cx="3486152" cy="400110"/>
+          </a:xfrm>
+          <a:prstGeom prst="rect">
+            <a:avLst/>
+          </a:prstGeom>
+          <a:noFill/>
+        </p:spPr>
+        <p:txBody>
+          <a:bodyPr wrap="square" rtlCol="0">
+            <a:spAutoFit/>
+          </a:bodyPr>
+          <a:lstStyle/>
+          <a:p>
+            <a:r>
+              <a:rPr lang="pt-PT" sz="2000" b="1" dirty="0">
+                <a:solidFill>
+                  <a:srgbClr val="00A0E4"/>
+                </a:solidFill>
+              </a:rPr>
+              <a:t>05 – Ações</a:t>
             </a:r>
             <a:endParaRPr lang="en-US" sz="2000" b="1" dirty="0">
               <a:solidFill>
@@ -4856,10 +5199,10 @@
       </p:sp>
       <p:sp>
         <p:nvSpPr>
-          <p:cNvPr id="18" name="CaixaDeTexto 17">
-            <a:extLst>
-              <a:ext uri="{FF2B5EF4-FFF2-40B4-BE49-F238E27FC236}">
-                <a16:creationId xmlns:a16="http://schemas.microsoft.com/office/drawing/2014/main" id="{171C053C-6798-2B91-5DBC-08DF73D77AA5}"/>
+          <p:cNvPr id="27" name="CaixaDeTexto 26">
+            <a:extLst>
+              <a:ext uri="{FF2B5EF4-FFF2-40B4-BE49-F238E27FC236}">
+                <a16:creationId xmlns:a16="http://schemas.microsoft.com/office/drawing/2014/main" id="{DA3D2C32-0C40-D8D3-4AD2-768AF4473846}"/>
               </a:ext>
             </a:extLst>
           </p:cNvPr>
@@ -4868,8 +5211,8 @@
         </p:nvSpPr>
         <p:spPr>
           <a:xfrm>
-            <a:off x="666748" y="4746490"/>
-            <a:ext cx="3371852" cy="584775"/>
+            <a:off x="4552949" y="2477159"/>
+            <a:ext cx="3038476" cy="584775"/>
           </a:xfrm>
           <a:prstGeom prst="rect">
             <a:avLst/>
@@ -4906,10 +5249,10 @@
       </p:sp>
       <p:sp>
         <p:nvSpPr>
-          <p:cNvPr id="25" name="CaixaDeTexto 24">
-            <a:extLst>
-              <a:ext uri="{FF2B5EF4-FFF2-40B4-BE49-F238E27FC236}">
-                <a16:creationId xmlns:a16="http://schemas.microsoft.com/office/drawing/2014/main" id="{2513D95F-675A-8834-41A3-AF84D5AF5518}"/>
+          <p:cNvPr id="28" name="CaixaDeTexto 27">
+            <a:extLst>
+              <a:ext uri="{FF2B5EF4-FFF2-40B4-BE49-F238E27FC236}">
+                <a16:creationId xmlns:a16="http://schemas.microsoft.com/office/drawing/2014/main" id="{825B607E-A9C2-BD94-3823-0FC9921E64E5}"/>
               </a:ext>
             </a:extLst>
           </p:cNvPr>
@@ -4918,106 +5261,8 @@
         </p:nvSpPr>
         <p:spPr>
           <a:xfrm>
-            <a:off x="4552950" y="2082999"/>
-            <a:ext cx="2114552" cy="400110"/>
-          </a:xfrm>
-          <a:prstGeom prst="rect">
-            <a:avLst/>
-          </a:prstGeom>
-          <a:noFill/>
-        </p:spPr>
-        <p:txBody>
-          <a:bodyPr wrap="square" rtlCol="0">
-            <a:spAutoFit/>
-          </a:bodyPr>
-          <a:lstStyle/>
-          <a:p>
-            <a:r>
-              <a:rPr lang="pt-PT" sz="2000" b="1" dirty="0">
-                <a:solidFill>
-                  <a:srgbClr val="00A0E4"/>
-                </a:solidFill>
-                <a:cs typeface="Arial" panose="020B0604020202020204" pitchFamily="34" charset="0"/>
-              </a:rPr>
-              <a:t>04</a:t>
-            </a:r>
-            <a:r>
-              <a:rPr lang="pt-PT" sz="2000" b="1" dirty="0">
-                <a:solidFill>
-                  <a:srgbClr val="00A0E4"/>
-                </a:solidFill>
-              </a:rPr>
-              <a:t> – Ações</a:t>
-            </a:r>
-            <a:endParaRPr lang="en-US" sz="2000" b="1" dirty="0">
-              <a:solidFill>
-                <a:srgbClr val="00A0E4"/>
-              </a:solidFill>
-              <a:cs typeface="Arial" panose="020B0604020202020204" pitchFamily="34" charset="0"/>
-            </a:endParaRPr>
-          </a:p>
-        </p:txBody>
-      </p:sp>
-      <p:sp>
-        <p:nvSpPr>
-          <p:cNvPr id="26" name="CaixaDeTexto 25">
-            <a:extLst>
-              <a:ext uri="{FF2B5EF4-FFF2-40B4-BE49-F238E27FC236}">
-                <a16:creationId xmlns:a16="http://schemas.microsoft.com/office/drawing/2014/main" id="{AF8D1528-461F-683D-754E-99C7A37B4A59}"/>
-              </a:ext>
-            </a:extLst>
-          </p:cNvPr>
-          <p:cNvSpPr txBox="1"/>
-          <p:nvPr/>
-        </p:nvSpPr>
-        <p:spPr>
-          <a:xfrm>
-            <a:off x="4552950" y="3215823"/>
-            <a:ext cx="3486152" cy="400110"/>
-          </a:xfrm>
-          <a:prstGeom prst="rect">
-            <a:avLst/>
-          </a:prstGeom>
-          <a:noFill/>
-        </p:spPr>
-        <p:txBody>
-          <a:bodyPr wrap="square" rtlCol="0">
-            <a:spAutoFit/>
-          </a:bodyPr>
-          <a:lstStyle/>
-          <a:p>
-            <a:r>
-              <a:rPr lang="pt-PT" sz="2000" b="1" dirty="0">
-                <a:solidFill>
-                  <a:srgbClr val="00A0E4"/>
-                </a:solidFill>
-              </a:rPr>
-              <a:t>05 – Heurística</a:t>
-            </a:r>
-            <a:endParaRPr lang="en-US" sz="2000" b="1" dirty="0">
-              <a:solidFill>
-                <a:srgbClr val="00A0E4"/>
-              </a:solidFill>
-            </a:endParaRPr>
-          </a:p>
-        </p:txBody>
-      </p:sp>
-      <p:sp>
-        <p:nvSpPr>
-          <p:cNvPr id="27" name="CaixaDeTexto 26">
-            <a:extLst>
-              <a:ext uri="{FF2B5EF4-FFF2-40B4-BE49-F238E27FC236}">
-                <a16:creationId xmlns:a16="http://schemas.microsoft.com/office/drawing/2014/main" id="{DA3D2C32-0C40-D8D3-4AD2-768AF4473846}"/>
-              </a:ext>
-            </a:extLst>
-          </p:cNvPr>
-          <p:cNvSpPr txBox="1"/>
-          <p:nvPr/>
-        </p:nvSpPr>
-        <p:spPr>
-          <a:xfrm>
-            <a:off x="4552949" y="2477159"/>
-            <a:ext cx="3038476" cy="584775"/>
+            <a:off x="4552950" y="3615933"/>
+            <a:ext cx="3371852" cy="584775"/>
           </a:xfrm>
           <a:prstGeom prst="rect">
             <a:avLst/>
@@ -5054,10 +5299,10 @@
       </p:sp>
       <p:sp>
         <p:nvSpPr>
-          <p:cNvPr id="28" name="CaixaDeTexto 27">
-            <a:extLst>
-              <a:ext uri="{FF2B5EF4-FFF2-40B4-BE49-F238E27FC236}">
-                <a16:creationId xmlns:a16="http://schemas.microsoft.com/office/drawing/2014/main" id="{825B607E-A9C2-BD94-3823-0FC9921E64E5}"/>
+          <p:cNvPr id="29" name="CaixaDeTexto 28">
+            <a:extLst>
+              <a:ext uri="{FF2B5EF4-FFF2-40B4-BE49-F238E27FC236}">
+                <a16:creationId xmlns:a16="http://schemas.microsoft.com/office/drawing/2014/main" id="{F3A6DFCB-CC9C-2ED1-32D9-DB9CA0B17523}"/>
               </a:ext>
             </a:extLst>
           </p:cNvPr>
@@ -5066,7 +5311,51 @@
         </p:nvSpPr>
         <p:spPr>
           <a:xfrm>
-            <a:off x="4552950" y="3615933"/>
+            <a:off x="4552950" y="4343405"/>
+            <a:ext cx="3486152" cy="400110"/>
+          </a:xfrm>
+          <a:prstGeom prst="rect">
+            <a:avLst/>
+          </a:prstGeom>
+          <a:noFill/>
+        </p:spPr>
+        <p:txBody>
+          <a:bodyPr wrap="square" rtlCol="0">
+            <a:spAutoFit/>
+          </a:bodyPr>
+          <a:lstStyle/>
+          <a:p>
+            <a:r>
+              <a:rPr lang="pt-PT" sz="2000" b="1" dirty="0">
+                <a:solidFill>
+                  <a:srgbClr val="00A0E4"/>
+                </a:solidFill>
+              </a:rPr>
+              <a:t>06 – Heurística</a:t>
+            </a:r>
+            <a:endParaRPr lang="en-US" sz="2000" b="1" dirty="0">
+              <a:solidFill>
+                <a:srgbClr val="00A0E4"/>
+              </a:solidFill>
+            </a:endParaRPr>
+          </a:p>
+        </p:txBody>
+      </p:sp>
+      <p:sp>
+        <p:nvSpPr>
+          <p:cNvPr id="30" name="CaixaDeTexto 29">
+            <a:extLst>
+              <a:ext uri="{FF2B5EF4-FFF2-40B4-BE49-F238E27FC236}">
+                <a16:creationId xmlns:a16="http://schemas.microsoft.com/office/drawing/2014/main" id="{40203832-DDEA-9692-F1A8-EAA178D2AFC4}"/>
+              </a:ext>
+            </a:extLst>
+          </p:cNvPr>
+          <p:cNvSpPr txBox="1"/>
+          <p:nvPr/>
+        </p:nvSpPr>
+        <p:spPr>
+          <a:xfrm>
+            <a:off x="4552950" y="4743515"/>
             <a:ext cx="3371852" cy="584775"/>
           </a:xfrm>
           <a:prstGeom prst="rect">
@@ -5090,100 +5379,6 @@
                 <a:cs typeface="Arial" panose="020B0604020202020204" pitchFamily="34" charset="0"/>
               </a:rPr>
               <a:t>Explicação sobre a heurística selecionada.</a:t>
-            </a:r>
-            <a:endParaRPr lang="en-US" sz="1600" dirty="0">
-              <a:solidFill>
-                <a:schemeClr val="bg2">
-                  <a:lumMod val="50000"/>
-                </a:schemeClr>
-              </a:solidFill>
-              <a:cs typeface="Arial" panose="020B0604020202020204" pitchFamily="34" charset="0"/>
-            </a:endParaRPr>
-          </a:p>
-        </p:txBody>
-      </p:sp>
-      <p:sp>
-        <p:nvSpPr>
-          <p:cNvPr id="29" name="CaixaDeTexto 28">
-            <a:extLst>
-              <a:ext uri="{FF2B5EF4-FFF2-40B4-BE49-F238E27FC236}">
-                <a16:creationId xmlns:a16="http://schemas.microsoft.com/office/drawing/2014/main" id="{F3A6DFCB-CC9C-2ED1-32D9-DB9CA0B17523}"/>
-              </a:ext>
-            </a:extLst>
-          </p:cNvPr>
-          <p:cNvSpPr txBox="1"/>
-          <p:nvPr/>
-        </p:nvSpPr>
-        <p:spPr>
-          <a:xfrm>
-            <a:off x="4552950" y="4343405"/>
-            <a:ext cx="3486152" cy="400110"/>
-          </a:xfrm>
-          <a:prstGeom prst="rect">
-            <a:avLst/>
-          </a:prstGeom>
-          <a:noFill/>
-        </p:spPr>
-        <p:txBody>
-          <a:bodyPr wrap="square" rtlCol="0">
-            <a:spAutoFit/>
-          </a:bodyPr>
-          <a:lstStyle/>
-          <a:p>
-            <a:r>
-              <a:rPr lang="pt-PT" sz="2000" b="1" dirty="0">
-                <a:solidFill>
-                  <a:srgbClr val="00A0E4"/>
-                </a:solidFill>
-              </a:rPr>
-              <a:t>06 – Teste objetivo</a:t>
-            </a:r>
-            <a:endParaRPr lang="en-US" sz="2000" b="1" dirty="0">
-              <a:solidFill>
-                <a:srgbClr val="00A0E4"/>
-              </a:solidFill>
-            </a:endParaRPr>
-          </a:p>
-        </p:txBody>
-      </p:sp>
-      <p:sp>
-        <p:nvSpPr>
-          <p:cNvPr id="30" name="CaixaDeTexto 29">
-            <a:extLst>
-              <a:ext uri="{FF2B5EF4-FFF2-40B4-BE49-F238E27FC236}">
-                <a16:creationId xmlns:a16="http://schemas.microsoft.com/office/drawing/2014/main" id="{40203832-DDEA-9692-F1A8-EAA178D2AFC4}"/>
-              </a:ext>
-            </a:extLst>
-          </p:cNvPr>
-          <p:cNvSpPr txBox="1"/>
-          <p:nvPr/>
-        </p:nvSpPr>
-        <p:spPr>
-          <a:xfrm>
-            <a:off x="4552950" y="4743515"/>
-            <a:ext cx="3371852" cy="584775"/>
-          </a:xfrm>
-          <a:prstGeom prst="rect">
-            <a:avLst/>
-          </a:prstGeom>
-          <a:noFill/>
-        </p:spPr>
-        <p:txBody>
-          <a:bodyPr wrap="square" rtlCol="0">
-            <a:spAutoFit/>
-          </a:bodyPr>
-          <a:lstStyle/>
-          <a:p>
-            <a:r>
-              <a:rPr lang="pt-PT" sz="1600" dirty="0">
-                <a:solidFill>
-                  <a:schemeClr val="bg2">
-                    <a:lumMod val="50000"/>
-                  </a:schemeClr>
-                </a:solidFill>
-                <a:cs typeface="Arial" panose="020B0604020202020204" pitchFamily="34" charset="0"/>
-              </a:rPr>
-              <a:t>Como determinamos se chegámos à solução.</a:t>
             </a:r>
             <a:endParaRPr lang="en-US" sz="1600" dirty="0">
               <a:solidFill>
@@ -5287,6 +5482,100 @@
           </a:effectLst>
         </p:spPr>
       </p:pic>
+      <p:sp>
+        <p:nvSpPr>
+          <p:cNvPr id="3" name="CaixaDeTexto 2">
+            <a:extLst>
+              <a:ext uri="{FF2B5EF4-FFF2-40B4-BE49-F238E27FC236}">
+                <a16:creationId xmlns:a16="http://schemas.microsoft.com/office/drawing/2014/main" id="{954D9765-725D-334D-5098-81852E0257F4}"/>
+              </a:ext>
+            </a:extLst>
+          </p:cNvPr>
+          <p:cNvSpPr txBox="1"/>
+          <p:nvPr/>
+        </p:nvSpPr>
+        <p:spPr>
+          <a:xfrm>
+            <a:off x="8105773" y="2085974"/>
+            <a:ext cx="3486152" cy="400110"/>
+          </a:xfrm>
+          <a:prstGeom prst="rect">
+            <a:avLst/>
+          </a:prstGeom>
+          <a:noFill/>
+        </p:spPr>
+        <p:txBody>
+          <a:bodyPr wrap="square" rtlCol="0">
+            <a:spAutoFit/>
+          </a:bodyPr>
+          <a:lstStyle/>
+          <a:p>
+            <a:r>
+              <a:rPr lang="pt-PT" sz="2000" b="1" dirty="0">
+                <a:solidFill>
+                  <a:srgbClr val="00A0E4"/>
+                </a:solidFill>
+              </a:rPr>
+              <a:t>07 – Teste objetivo</a:t>
+            </a:r>
+            <a:endParaRPr lang="en-US" sz="2000" b="1" dirty="0">
+              <a:solidFill>
+                <a:srgbClr val="00A0E4"/>
+              </a:solidFill>
+            </a:endParaRPr>
+          </a:p>
+        </p:txBody>
+      </p:sp>
+      <p:sp>
+        <p:nvSpPr>
+          <p:cNvPr id="4" name="CaixaDeTexto 3">
+            <a:extLst>
+              <a:ext uri="{FF2B5EF4-FFF2-40B4-BE49-F238E27FC236}">
+                <a16:creationId xmlns:a16="http://schemas.microsoft.com/office/drawing/2014/main" id="{A817D597-390F-6513-89BA-9844F0D15C2C}"/>
+              </a:ext>
+            </a:extLst>
+          </p:cNvPr>
+          <p:cNvSpPr txBox="1"/>
+          <p:nvPr/>
+        </p:nvSpPr>
+        <p:spPr>
+          <a:xfrm>
+            <a:off x="8105773" y="2486084"/>
+            <a:ext cx="3371852" cy="584775"/>
+          </a:xfrm>
+          <a:prstGeom prst="rect">
+            <a:avLst/>
+          </a:prstGeom>
+          <a:noFill/>
+        </p:spPr>
+        <p:txBody>
+          <a:bodyPr wrap="square" rtlCol="0">
+            <a:spAutoFit/>
+          </a:bodyPr>
+          <a:lstStyle/>
+          <a:p>
+            <a:r>
+              <a:rPr lang="pt-PT" sz="1600" dirty="0">
+                <a:solidFill>
+                  <a:schemeClr val="bg2">
+                    <a:lumMod val="50000"/>
+                  </a:schemeClr>
+                </a:solidFill>
+                <a:cs typeface="Arial" panose="020B0604020202020204" pitchFamily="34" charset="0"/>
+              </a:rPr>
+              <a:t>Como determinamos se chegámos à solução.</a:t>
+            </a:r>
+            <a:endParaRPr lang="en-US" sz="1600" dirty="0">
+              <a:solidFill>
+                <a:schemeClr val="bg2">
+                  <a:lumMod val="50000"/>
+                </a:schemeClr>
+              </a:solidFill>
+              <a:cs typeface="Arial" panose="020B0604020202020204" pitchFamily="34" charset="0"/>
+            </a:endParaRPr>
+          </a:p>
+        </p:txBody>
+      </p:sp>
     </p:spTree>
     <p:extLst>
       <p:ext uri="{BB962C8B-B14F-4D97-AF65-F5344CB8AC3E}">
@@ -7531,6 +7820,3478 @@
           <a:chExt cx="0" cy="0"/>
         </a:xfrm>
       </p:grpSpPr>
+      <p:sp>
+        <p:nvSpPr>
+          <p:cNvPr id="4" name="Marcador de Posição do Rodapé 3">
+            <a:extLst>
+              <a:ext uri="{FF2B5EF4-FFF2-40B4-BE49-F238E27FC236}">
+                <a16:creationId xmlns:a16="http://schemas.microsoft.com/office/drawing/2014/main" id="{3957D656-48A9-6DEE-1967-F96E7D379C86}"/>
+              </a:ext>
+            </a:extLst>
+          </p:cNvPr>
+          <p:cNvSpPr>
+            <a:spLocks noGrp="1"/>
+          </p:cNvSpPr>
+          <p:nvPr>
+            <p:ph type="ftr" sz="quarter" idx="11"/>
+          </p:nvPr>
+        </p:nvSpPr>
+        <p:spPr/>
+        <p:txBody>
+          <a:bodyPr/>
+          <a:lstStyle/>
+          <a:p>
+            <a:r>
+              <a:rPr lang="pt-BR"/>
+              <a:t>Gonçalo Bárias (103124), Raquel Braunshweig (102624)</a:t>
+            </a:r>
+            <a:endParaRPr lang="en-US"/>
+          </a:p>
+        </p:txBody>
+      </p:sp>
+      <p:sp>
+        <p:nvSpPr>
+          <p:cNvPr id="5" name="Marcador de Posição do Número do Diapositivo 4">
+            <a:extLst>
+              <a:ext uri="{FF2B5EF4-FFF2-40B4-BE49-F238E27FC236}">
+                <a16:creationId xmlns:a16="http://schemas.microsoft.com/office/drawing/2014/main" id="{B229E145-0FD9-291C-33EF-E2DCF0BB1437}"/>
+              </a:ext>
+            </a:extLst>
+          </p:cNvPr>
+          <p:cNvSpPr>
+            <a:spLocks noGrp="1"/>
+          </p:cNvSpPr>
+          <p:nvPr>
+            <p:ph type="sldNum" sz="quarter" idx="12"/>
+          </p:nvPr>
+        </p:nvSpPr>
+        <p:spPr/>
+        <p:txBody>
+          <a:bodyPr/>
+          <a:lstStyle/>
+          <a:p>
+            <a:fld id="{481F3994-FD13-4080-B2C3-D9668E3E8446}" type="slidenum">
+              <a:rPr lang="en-US" smtClean="0"/>
+              <a:t>4</a:t>
+            </a:fld>
+            <a:endParaRPr lang="en-US"/>
+          </a:p>
+        </p:txBody>
+      </p:sp>
+      <p:pic>
+        <p:nvPicPr>
+          <p:cNvPr id="6" name="Imagem 5">
+            <a:extLst>
+              <a:ext uri="{FF2B5EF4-FFF2-40B4-BE49-F238E27FC236}">
+                <a16:creationId xmlns:a16="http://schemas.microsoft.com/office/drawing/2014/main" id="{D05B2CF7-5635-EC25-B843-EA8D471FC933}"/>
+              </a:ext>
+            </a:extLst>
+          </p:cNvPr>
+          <p:cNvPicPr>
+            <a:picLocks noChangeAspect="1"/>
+          </p:cNvPicPr>
+          <p:nvPr/>
+        </p:nvPicPr>
+        <p:blipFill>
+          <a:blip r:embed="rId2"/>
+          <a:stretch>
+            <a:fillRect/>
+          </a:stretch>
+        </p:blipFill>
+        <p:spPr>
+          <a:xfrm>
+            <a:off x="161925" y="95194"/>
+            <a:ext cx="1657581" cy="800212"/>
+          </a:xfrm>
+          <a:prstGeom prst="rect">
+            <a:avLst/>
+          </a:prstGeom>
+        </p:spPr>
+      </p:pic>
+      <p:sp>
+        <p:nvSpPr>
+          <p:cNvPr id="7" name="CaixaDeTexto 6">
+            <a:extLst>
+              <a:ext uri="{FF2B5EF4-FFF2-40B4-BE49-F238E27FC236}">
+                <a16:creationId xmlns:a16="http://schemas.microsoft.com/office/drawing/2014/main" id="{515648A2-733C-15D9-4A49-257CAAB2D334}"/>
+              </a:ext>
+            </a:extLst>
+          </p:cNvPr>
+          <p:cNvSpPr txBox="1"/>
+          <p:nvPr/>
+        </p:nvSpPr>
+        <p:spPr>
+          <a:xfrm>
+            <a:off x="552450" y="1047750"/>
+            <a:ext cx="4457700" cy="646331"/>
+          </a:xfrm>
+          <a:prstGeom prst="rect">
+            <a:avLst/>
+          </a:prstGeom>
+          <a:noFill/>
+        </p:spPr>
+        <p:txBody>
+          <a:bodyPr wrap="square" rtlCol="0">
+            <a:spAutoFit/>
+          </a:bodyPr>
+          <a:lstStyle/>
+          <a:p>
+            <a:r>
+              <a:rPr lang="pt-PT" sz="3600" b="1" dirty="0">
+                <a:solidFill>
+                  <a:srgbClr val="009BDE"/>
+                </a:solidFill>
+                <a:cs typeface="Arial" panose="020B0604020202020204" pitchFamily="34" charset="0"/>
+              </a:rPr>
+              <a:t>02 – Restrições</a:t>
+            </a:r>
+            <a:endParaRPr lang="en-US" sz="3600" b="1" dirty="0">
+              <a:solidFill>
+                <a:srgbClr val="009BDE"/>
+              </a:solidFill>
+              <a:cs typeface="Arial" panose="020B0604020202020204" pitchFamily="34" charset="0"/>
+            </a:endParaRPr>
+          </a:p>
+        </p:txBody>
+      </p:sp>
+      <p:sp>
+        <p:nvSpPr>
+          <p:cNvPr id="8" name="Oval 7">
+            <a:extLst>
+              <a:ext uri="{FF2B5EF4-FFF2-40B4-BE49-F238E27FC236}">
+                <a16:creationId xmlns:a16="http://schemas.microsoft.com/office/drawing/2014/main" id="{ADC8C825-3FC2-BE99-A31B-CD25086C7CDF}"/>
+              </a:ext>
+            </a:extLst>
+          </p:cNvPr>
+          <p:cNvSpPr/>
+          <p:nvPr/>
+        </p:nvSpPr>
+        <p:spPr>
+          <a:xfrm>
+            <a:off x="784998" y="2037429"/>
+            <a:ext cx="79104" cy="68262"/>
+          </a:xfrm>
+          <a:prstGeom prst="ellipse">
+            <a:avLst/>
+          </a:prstGeom>
+          <a:solidFill>
+            <a:srgbClr val="00A0E4"/>
+          </a:solidFill>
+          <a:ln>
+            <a:solidFill>
+              <a:srgbClr val="009BDE"/>
+            </a:solidFill>
+          </a:ln>
+        </p:spPr>
+        <p:style>
+          <a:lnRef idx="2">
+            <a:schemeClr val="accent1">
+              <a:shade val="50000"/>
+            </a:schemeClr>
+          </a:lnRef>
+          <a:fillRef idx="1">
+            <a:schemeClr val="accent1"/>
+          </a:fillRef>
+          <a:effectRef idx="0">
+            <a:schemeClr val="accent1"/>
+          </a:effectRef>
+          <a:fontRef idx="minor">
+            <a:schemeClr val="lt1"/>
+          </a:fontRef>
+        </p:style>
+        <p:txBody>
+          <a:bodyPr rtlCol="0" anchor="ctr"/>
+          <a:lstStyle/>
+          <a:p>
+            <a:pPr algn="ctr"/>
+            <a:endParaRPr lang="en-US"/>
+          </a:p>
+        </p:txBody>
+      </p:sp>
+      <p:sp>
+        <p:nvSpPr>
+          <p:cNvPr id="9" name="CaixaDeTexto 8">
+            <a:extLst>
+              <a:ext uri="{FF2B5EF4-FFF2-40B4-BE49-F238E27FC236}">
+                <a16:creationId xmlns:a16="http://schemas.microsoft.com/office/drawing/2014/main" id="{D19F11DD-FDBA-0BA6-9866-BF26EBFEC8DB}"/>
+              </a:ext>
+            </a:extLst>
+          </p:cNvPr>
+          <p:cNvSpPr txBox="1"/>
+          <p:nvPr/>
+        </p:nvSpPr>
+        <p:spPr>
+          <a:xfrm>
+            <a:off x="1040235" y="1884045"/>
+            <a:ext cx="9694071" cy="646331"/>
+          </a:xfrm>
+          <a:prstGeom prst="rect">
+            <a:avLst/>
+          </a:prstGeom>
+          <a:noFill/>
+        </p:spPr>
+        <p:txBody>
+          <a:bodyPr wrap="square" rtlCol="0">
+            <a:spAutoFit/>
+          </a:bodyPr>
+          <a:lstStyle/>
+          <a:p>
+            <a:r>
+              <a:rPr lang="pt-PT" dirty="0">
+                <a:solidFill>
+                  <a:schemeClr val="bg2">
+                    <a:lumMod val="50000"/>
+                  </a:schemeClr>
+                </a:solidFill>
+              </a:rPr>
+              <a:t>O número de peças de barco em cada linha ou coluna tem que ser </a:t>
+            </a:r>
+            <a:r>
+              <a:rPr lang="pt-PT" dirty="0"/>
+              <a:t>precisamente igual </a:t>
+            </a:r>
+            <a:r>
+              <a:rPr lang="pt-PT" dirty="0">
+                <a:solidFill>
+                  <a:schemeClr val="bg2">
+                    <a:lumMod val="50000"/>
+                  </a:schemeClr>
+                </a:solidFill>
+              </a:rPr>
+              <a:t>ao número fornecido como input para essa linha ou coluna.</a:t>
+            </a:r>
+            <a:endParaRPr lang="en-US" dirty="0">
+              <a:solidFill>
+                <a:schemeClr val="bg2">
+                  <a:lumMod val="50000"/>
+                </a:schemeClr>
+              </a:solidFill>
+            </a:endParaRPr>
+          </a:p>
+        </p:txBody>
+      </p:sp>
+      <p:sp>
+        <p:nvSpPr>
+          <p:cNvPr id="12" name="Oval 11">
+            <a:extLst>
+              <a:ext uri="{FF2B5EF4-FFF2-40B4-BE49-F238E27FC236}">
+                <a16:creationId xmlns:a16="http://schemas.microsoft.com/office/drawing/2014/main" id="{EA3C6809-3611-C76B-DAB5-EA3F32BC24A7}"/>
+              </a:ext>
+            </a:extLst>
+          </p:cNvPr>
+          <p:cNvSpPr/>
+          <p:nvPr/>
+        </p:nvSpPr>
+        <p:spPr>
+          <a:xfrm>
+            <a:off x="784998" y="4507692"/>
+            <a:ext cx="79104" cy="68262"/>
+          </a:xfrm>
+          <a:prstGeom prst="ellipse">
+            <a:avLst/>
+          </a:prstGeom>
+          <a:solidFill>
+            <a:srgbClr val="00A0E4"/>
+          </a:solidFill>
+          <a:ln>
+            <a:solidFill>
+              <a:srgbClr val="009BDE"/>
+            </a:solidFill>
+          </a:ln>
+        </p:spPr>
+        <p:style>
+          <a:lnRef idx="2">
+            <a:schemeClr val="accent1">
+              <a:shade val="50000"/>
+            </a:schemeClr>
+          </a:lnRef>
+          <a:fillRef idx="1">
+            <a:schemeClr val="accent1"/>
+          </a:fillRef>
+          <a:effectRef idx="0">
+            <a:schemeClr val="accent1"/>
+          </a:effectRef>
+          <a:fontRef idx="minor">
+            <a:schemeClr val="lt1"/>
+          </a:fontRef>
+        </p:style>
+        <p:txBody>
+          <a:bodyPr rtlCol="0" anchor="ctr"/>
+          <a:lstStyle/>
+          <a:p>
+            <a:pPr algn="ctr"/>
+            <a:endParaRPr lang="en-US"/>
+          </a:p>
+        </p:txBody>
+      </p:sp>
+      <p:sp>
+        <p:nvSpPr>
+          <p:cNvPr id="13" name="CaixaDeTexto 12">
+            <a:extLst>
+              <a:ext uri="{FF2B5EF4-FFF2-40B4-BE49-F238E27FC236}">
+                <a16:creationId xmlns:a16="http://schemas.microsoft.com/office/drawing/2014/main" id="{0D277510-B967-975E-9A2E-4E5A97D1C797}"/>
+              </a:ext>
+            </a:extLst>
+          </p:cNvPr>
+          <p:cNvSpPr txBox="1"/>
+          <p:nvPr/>
+        </p:nvSpPr>
+        <p:spPr>
+          <a:xfrm>
+            <a:off x="1040235" y="4354308"/>
+            <a:ext cx="10313565" cy="369332"/>
+          </a:xfrm>
+          <a:prstGeom prst="rect">
+            <a:avLst/>
+          </a:prstGeom>
+          <a:noFill/>
+        </p:spPr>
+        <p:txBody>
+          <a:bodyPr wrap="square" rtlCol="0">
+            <a:spAutoFit/>
+          </a:bodyPr>
+          <a:lstStyle/>
+          <a:p>
+            <a:r>
+              <a:rPr lang="pt-PT" dirty="0"/>
+              <a:t>Têm que existir </a:t>
+            </a:r>
+            <a:r>
+              <a:rPr lang="pt-PT" dirty="0">
+                <a:solidFill>
+                  <a:schemeClr val="bg2">
+                    <a:lumMod val="50000"/>
+                  </a:schemeClr>
+                </a:solidFill>
+              </a:rPr>
+              <a:t>4 submarinos, 3 contratorpedeiros, 2 cruzadores, 1 couraçado.</a:t>
+            </a:r>
+            <a:endParaRPr lang="en-US" dirty="0">
+              <a:solidFill>
+                <a:schemeClr val="bg2">
+                  <a:lumMod val="50000"/>
+                </a:schemeClr>
+              </a:solidFill>
+            </a:endParaRPr>
+          </a:p>
+        </p:txBody>
+      </p:sp>
+      <p:sp>
+        <p:nvSpPr>
+          <p:cNvPr id="18" name="Fluxograma: Atraso 17">
+            <a:extLst>
+              <a:ext uri="{FF2B5EF4-FFF2-40B4-BE49-F238E27FC236}">
+                <a16:creationId xmlns:a16="http://schemas.microsoft.com/office/drawing/2014/main" id="{393D3DAB-AB55-E784-70A4-D303699ACF53}"/>
+              </a:ext>
+            </a:extLst>
+          </p:cNvPr>
+          <p:cNvSpPr/>
+          <p:nvPr/>
+        </p:nvSpPr>
+        <p:spPr>
+          <a:xfrm>
+            <a:off x="8062312" y="4924108"/>
+            <a:ext cx="343949" cy="293615"/>
+          </a:xfrm>
+          <a:prstGeom prst="flowChartDelay">
+            <a:avLst/>
+          </a:prstGeom>
+          <a:solidFill>
+            <a:srgbClr val="00A0E4"/>
+          </a:solidFill>
+          <a:ln>
+            <a:solidFill>
+              <a:srgbClr val="009BDE"/>
+            </a:solidFill>
+          </a:ln>
+        </p:spPr>
+        <p:style>
+          <a:lnRef idx="2">
+            <a:schemeClr val="accent1">
+              <a:shade val="50000"/>
+            </a:schemeClr>
+          </a:lnRef>
+          <a:fillRef idx="1">
+            <a:schemeClr val="accent1"/>
+          </a:fillRef>
+          <a:effectRef idx="0">
+            <a:schemeClr val="accent1"/>
+          </a:effectRef>
+          <a:fontRef idx="minor">
+            <a:schemeClr val="lt1"/>
+          </a:fontRef>
+        </p:style>
+        <p:txBody>
+          <a:bodyPr rtlCol="0" anchor="ctr"/>
+          <a:lstStyle/>
+          <a:p>
+            <a:pPr algn="ctr"/>
+            <a:endParaRPr lang="en-US"/>
+          </a:p>
+        </p:txBody>
+      </p:sp>
+      <p:sp>
+        <p:nvSpPr>
+          <p:cNvPr id="19" name="Retângulo 18">
+            <a:extLst>
+              <a:ext uri="{FF2B5EF4-FFF2-40B4-BE49-F238E27FC236}">
+                <a16:creationId xmlns:a16="http://schemas.microsoft.com/office/drawing/2014/main" id="{3FB1BEFF-CA29-1306-FEBE-1E553A176F21}"/>
+              </a:ext>
+            </a:extLst>
+          </p:cNvPr>
+          <p:cNvSpPr/>
+          <p:nvPr/>
+        </p:nvSpPr>
+        <p:spPr>
+          <a:xfrm>
+            <a:off x="7610598" y="4924108"/>
+            <a:ext cx="343949" cy="293615"/>
+          </a:xfrm>
+          <a:prstGeom prst="rect">
+            <a:avLst/>
+          </a:prstGeom>
+          <a:solidFill>
+            <a:srgbClr val="00A0E4"/>
+          </a:solidFill>
+          <a:ln>
+            <a:solidFill>
+              <a:srgbClr val="009BDE"/>
+            </a:solidFill>
+          </a:ln>
+        </p:spPr>
+        <p:style>
+          <a:lnRef idx="2">
+            <a:schemeClr val="accent1">
+              <a:shade val="50000"/>
+            </a:schemeClr>
+          </a:lnRef>
+          <a:fillRef idx="1">
+            <a:schemeClr val="accent1"/>
+          </a:fillRef>
+          <a:effectRef idx="0">
+            <a:schemeClr val="accent1"/>
+          </a:effectRef>
+          <a:fontRef idx="minor">
+            <a:schemeClr val="lt1"/>
+          </a:fontRef>
+        </p:style>
+        <p:txBody>
+          <a:bodyPr rtlCol="0" anchor="ctr"/>
+          <a:lstStyle/>
+          <a:p>
+            <a:pPr algn="ctr"/>
+            <a:endParaRPr lang="en-US"/>
+          </a:p>
+        </p:txBody>
+      </p:sp>
+      <p:sp>
+        <p:nvSpPr>
+          <p:cNvPr id="20" name="Retângulo 19">
+            <a:extLst>
+              <a:ext uri="{FF2B5EF4-FFF2-40B4-BE49-F238E27FC236}">
+                <a16:creationId xmlns:a16="http://schemas.microsoft.com/office/drawing/2014/main" id="{A9CBF113-0089-59FB-42B6-19D6A1E31ED3}"/>
+              </a:ext>
+            </a:extLst>
+          </p:cNvPr>
+          <p:cNvSpPr/>
+          <p:nvPr/>
+        </p:nvSpPr>
+        <p:spPr>
+          <a:xfrm>
+            <a:off x="7159476" y="4924108"/>
+            <a:ext cx="343949" cy="293615"/>
+          </a:xfrm>
+          <a:prstGeom prst="rect">
+            <a:avLst/>
+          </a:prstGeom>
+          <a:solidFill>
+            <a:srgbClr val="00A0E4"/>
+          </a:solidFill>
+          <a:ln>
+            <a:solidFill>
+              <a:srgbClr val="009BDE"/>
+            </a:solidFill>
+          </a:ln>
+        </p:spPr>
+        <p:style>
+          <a:lnRef idx="2">
+            <a:schemeClr val="accent1">
+              <a:shade val="50000"/>
+            </a:schemeClr>
+          </a:lnRef>
+          <a:fillRef idx="1">
+            <a:schemeClr val="accent1"/>
+          </a:fillRef>
+          <a:effectRef idx="0">
+            <a:schemeClr val="accent1"/>
+          </a:effectRef>
+          <a:fontRef idx="minor">
+            <a:schemeClr val="lt1"/>
+          </a:fontRef>
+        </p:style>
+        <p:txBody>
+          <a:bodyPr rtlCol="0" anchor="ctr"/>
+          <a:lstStyle/>
+          <a:p>
+            <a:pPr algn="ctr"/>
+            <a:endParaRPr lang="en-US"/>
+          </a:p>
+        </p:txBody>
+      </p:sp>
+      <p:sp>
+        <p:nvSpPr>
+          <p:cNvPr id="21" name="Fluxograma: Atraso 20">
+            <a:extLst>
+              <a:ext uri="{FF2B5EF4-FFF2-40B4-BE49-F238E27FC236}">
+                <a16:creationId xmlns:a16="http://schemas.microsoft.com/office/drawing/2014/main" id="{BFE45423-D0FC-6CEC-FEE7-A9A11E1E897F}"/>
+              </a:ext>
+            </a:extLst>
+          </p:cNvPr>
+          <p:cNvSpPr/>
+          <p:nvPr/>
+        </p:nvSpPr>
+        <p:spPr>
+          <a:xfrm rot="10800000">
+            <a:off x="6723569" y="4924108"/>
+            <a:ext cx="343949" cy="293615"/>
+          </a:xfrm>
+          <a:prstGeom prst="flowChartDelay">
+            <a:avLst/>
+          </a:prstGeom>
+          <a:solidFill>
+            <a:srgbClr val="00A0E4"/>
+          </a:solidFill>
+          <a:ln>
+            <a:solidFill>
+              <a:srgbClr val="009BDE"/>
+            </a:solidFill>
+          </a:ln>
+        </p:spPr>
+        <p:style>
+          <a:lnRef idx="2">
+            <a:schemeClr val="accent1">
+              <a:shade val="50000"/>
+            </a:schemeClr>
+          </a:lnRef>
+          <a:fillRef idx="1">
+            <a:schemeClr val="accent1"/>
+          </a:fillRef>
+          <a:effectRef idx="0">
+            <a:schemeClr val="accent1"/>
+          </a:effectRef>
+          <a:fontRef idx="minor">
+            <a:schemeClr val="lt1"/>
+          </a:fontRef>
+        </p:style>
+        <p:txBody>
+          <a:bodyPr rtlCol="0" anchor="ctr"/>
+          <a:lstStyle/>
+          <a:p>
+            <a:pPr algn="ctr"/>
+            <a:endParaRPr lang="en-US"/>
+          </a:p>
+        </p:txBody>
+      </p:sp>
+      <p:sp>
+        <p:nvSpPr>
+          <p:cNvPr id="22" name="Fluxograma: Atraso 21">
+            <a:extLst>
+              <a:ext uri="{FF2B5EF4-FFF2-40B4-BE49-F238E27FC236}">
+                <a16:creationId xmlns:a16="http://schemas.microsoft.com/office/drawing/2014/main" id="{59E582FB-9D41-E195-3066-B2F5476A7D59}"/>
+              </a:ext>
+            </a:extLst>
+          </p:cNvPr>
+          <p:cNvSpPr/>
+          <p:nvPr/>
+        </p:nvSpPr>
+        <p:spPr>
+          <a:xfrm>
+            <a:off x="6008514" y="4924108"/>
+            <a:ext cx="343949" cy="293615"/>
+          </a:xfrm>
+          <a:prstGeom prst="flowChartDelay">
+            <a:avLst/>
+          </a:prstGeom>
+          <a:solidFill>
+            <a:srgbClr val="00A0E4"/>
+          </a:solidFill>
+          <a:ln>
+            <a:solidFill>
+              <a:srgbClr val="009BDE"/>
+            </a:solidFill>
+          </a:ln>
+        </p:spPr>
+        <p:style>
+          <a:lnRef idx="2">
+            <a:schemeClr val="accent1">
+              <a:shade val="50000"/>
+            </a:schemeClr>
+          </a:lnRef>
+          <a:fillRef idx="1">
+            <a:schemeClr val="accent1"/>
+          </a:fillRef>
+          <a:effectRef idx="0">
+            <a:schemeClr val="accent1"/>
+          </a:effectRef>
+          <a:fontRef idx="minor">
+            <a:schemeClr val="lt1"/>
+          </a:fontRef>
+        </p:style>
+        <p:txBody>
+          <a:bodyPr rtlCol="0" anchor="ctr"/>
+          <a:lstStyle/>
+          <a:p>
+            <a:pPr algn="ctr"/>
+            <a:endParaRPr lang="en-US"/>
+          </a:p>
+        </p:txBody>
+      </p:sp>
+      <p:sp>
+        <p:nvSpPr>
+          <p:cNvPr id="23" name="Retângulo 22">
+            <a:extLst>
+              <a:ext uri="{FF2B5EF4-FFF2-40B4-BE49-F238E27FC236}">
+                <a16:creationId xmlns:a16="http://schemas.microsoft.com/office/drawing/2014/main" id="{8AD3EA1A-ACA6-F7A3-4350-A30D87F74725}"/>
+              </a:ext>
+            </a:extLst>
+          </p:cNvPr>
+          <p:cNvSpPr/>
+          <p:nvPr/>
+        </p:nvSpPr>
+        <p:spPr>
+          <a:xfrm>
+            <a:off x="5556800" y="4924108"/>
+            <a:ext cx="343949" cy="293615"/>
+          </a:xfrm>
+          <a:prstGeom prst="rect">
+            <a:avLst/>
+          </a:prstGeom>
+          <a:solidFill>
+            <a:srgbClr val="00A0E4"/>
+          </a:solidFill>
+          <a:ln>
+            <a:solidFill>
+              <a:srgbClr val="009BDE"/>
+            </a:solidFill>
+          </a:ln>
+        </p:spPr>
+        <p:style>
+          <a:lnRef idx="2">
+            <a:schemeClr val="accent1">
+              <a:shade val="50000"/>
+            </a:schemeClr>
+          </a:lnRef>
+          <a:fillRef idx="1">
+            <a:schemeClr val="accent1"/>
+          </a:fillRef>
+          <a:effectRef idx="0">
+            <a:schemeClr val="accent1"/>
+          </a:effectRef>
+          <a:fontRef idx="minor">
+            <a:schemeClr val="lt1"/>
+          </a:fontRef>
+        </p:style>
+        <p:txBody>
+          <a:bodyPr rtlCol="0" anchor="ctr"/>
+          <a:lstStyle/>
+          <a:p>
+            <a:pPr algn="ctr"/>
+            <a:endParaRPr lang="en-US"/>
+          </a:p>
+        </p:txBody>
+      </p:sp>
+      <p:sp>
+        <p:nvSpPr>
+          <p:cNvPr id="24" name="Fluxograma: Atraso 23">
+            <a:extLst>
+              <a:ext uri="{FF2B5EF4-FFF2-40B4-BE49-F238E27FC236}">
+                <a16:creationId xmlns:a16="http://schemas.microsoft.com/office/drawing/2014/main" id="{1AE96105-EC24-788A-037B-79E00416F6F9}"/>
+              </a:ext>
+            </a:extLst>
+          </p:cNvPr>
+          <p:cNvSpPr/>
+          <p:nvPr/>
+        </p:nvSpPr>
+        <p:spPr>
+          <a:xfrm rot="10800000">
+            <a:off x="5120893" y="4924108"/>
+            <a:ext cx="343949" cy="293615"/>
+          </a:xfrm>
+          <a:prstGeom prst="flowChartDelay">
+            <a:avLst/>
+          </a:prstGeom>
+          <a:solidFill>
+            <a:srgbClr val="00A0E4"/>
+          </a:solidFill>
+          <a:ln>
+            <a:solidFill>
+              <a:srgbClr val="009BDE"/>
+            </a:solidFill>
+          </a:ln>
+        </p:spPr>
+        <p:style>
+          <a:lnRef idx="2">
+            <a:schemeClr val="accent1">
+              <a:shade val="50000"/>
+            </a:schemeClr>
+          </a:lnRef>
+          <a:fillRef idx="1">
+            <a:schemeClr val="accent1"/>
+          </a:fillRef>
+          <a:effectRef idx="0">
+            <a:schemeClr val="accent1"/>
+          </a:effectRef>
+          <a:fontRef idx="minor">
+            <a:schemeClr val="lt1"/>
+          </a:fontRef>
+        </p:style>
+        <p:txBody>
+          <a:bodyPr rtlCol="0" anchor="ctr"/>
+          <a:lstStyle/>
+          <a:p>
+            <a:pPr algn="ctr"/>
+            <a:endParaRPr lang="en-US"/>
+          </a:p>
+        </p:txBody>
+      </p:sp>
+      <p:sp>
+        <p:nvSpPr>
+          <p:cNvPr id="25" name="Fluxograma: Atraso 24">
+            <a:extLst>
+              <a:ext uri="{FF2B5EF4-FFF2-40B4-BE49-F238E27FC236}">
+                <a16:creationId xmlns:a16="http://schemas.microsoft.com/office/drawing/2014/main" id="{B3EC5354-4A36-FCB3-0E72-7E5F8E210DC6}"/>
+              </a:ext>
+            </a:extLst>
+          </p:cNvPr>
+          <p:cNvSpPr/>
+          <p:nvPr/>
+        </p:nvSpPr>
+        <p:spPr>
+          <a:xfrm>
+            <a:off x="6008514" y="5402507"/>
+            <a:ext cx="343949" cy="293615"/>
+          </a:xfrm>
+          <a:prstGeom prst="flowChartDelay">
+            <a:avLst/>
+          </a:prstGeom>
+          <a:solidFill>
+            <a:srgbClr val="00A0E4"/>
+          </a:solidFill>
+          <a:ln>
+            <a:solidFill>
+              <a:srgbClr val="009BDE"/>
+            </a:solidFill>
+          </a:ln>
+        </p:spPr>
+        <p:style>
+          <a:lnRef idx="2">
+            <a:schemeClr val="accent1">
+              <a:shade val="50000"/>
+            </a:schemeClr>
+          </a:lnRef>
+          <a:fillRef idx="1">
+            <a:schemeClr val="accent1"/>
+          </a:fillRef>
+          <a:effectRef idx="0">
+            <a:schemeClr val="accent1"/>
+          </a:effectRef>
+          <a:fontRef idx="minor">
+            <a:schemeClr val="lt1"/>
+          </a:fontRef>
+        </p:style>
+        <p:txBody>
+          <a:bodyPr rtlCol="0" anchor="ctr"/>
+          <a:lstStyle/>
+          <a:p>
+            <a:pPr algn="ctr"/>
+            <a:endParaRPr lang="en-US"/>
+          </a:p>
+        </p:txBody>
+      </p:sp>
+      <p:sp>
+        <p:nvSpPr>
+          <p:cNvPr id="26" name="Retângulo 25">
+            <a:extLst>
+              <a:ext uri="{FF2B5EF4-FFF2-40B4-BE49-F238E27FC236}">
+                <a16:creationId xmlns:a16="http://schemas.microsoft.com/office/drawing/2014/main" id="{3560A6ED-E1AC-13CE-C532-E18A3E7A933D}"/>
+              </a:ext>
+            </a:extLst>
+          </p:cNvPr>
+          <p:cNvSpPr/>
+          <p:nvPr/>
+        </p:nvSpPr>
+        <p:spPr>
+          <a:xfrm>
+            <a:off x="5556800" y="5402507"/>
+            <a:ext cx="343949" cy="293615"/>
+          </a:xfrm>
+          <a:prstGeom prst="rect">
+            <a:avLst/>
+          </a:prstGeom>
+          <a:solidFill>
+            <a:srgbClr val="00A0E4"/>
+          </a:solidFill>
+          <a:ln>
+            <a:solidFill>
+              <a:srgbClr val="009BDE"/>
+            </a:solidFill>
+          </a:ln>
+        </p:spPr>
+        <p:style>
+          <a:lnRef idx="2">
+            <a:schemeClr val="accent1">
+              <a:shade val="50000"/>
+            </a:schemeClr>
+          </a:lnRef>
+          <a:fillRef idx="1">
+            <a:schemeClr val="accent1"/>
+          </a:fillRef>
+          <a:effectRef idx="0">
+            <a:schemeClr val="accent1"/>
+          </a:effectRef>
+          <a:fontRef idx="minor">
+            <a:schemeClr val="lt1"/>
+          </a:fontRef>
+        </p:style>
+        <p:txBody>
+          <a:bodyPr rtlCol="0" anchor="ctr"/>
+          <a:lstStyle/>
+          <a:p>
+            <a:pPr algn="ctr"/>
+            <a:endParaRPr lang="en-US"/>
+          </a:p>
+        </p:txBody>
+      </p:sp>
+      <p:sp>
+        <p:nvSpPr>
+          <p:cNvPr id="27" name="Fluxograma: Atraso 26">
+            <a:extLst>
+              <a:ext uri="{FF2B5EF4-FFF2-40B4-BE49-F238E27FC236}">
+                <a16:creationId xmlns:a16="http://schemas.microsoft.com/office/drawing/2014/main" id="{B2FB9E93-9383-8262-BB05-373CE553044A}"/>
+              </a:ext>
+            </a:extLst>
+          </p:cNvPr>
+          <p:cNvSpPr/>
+          <p:nvPr/>
+        </p:nvSpPr>
+        <p:spPr>
+          <a:xfrm rot="10800000">
+            <a:off x="5120893" y="5402507"/>
+            <a:ext cx="343949" cy="293615"/>
+          </a:xfrm>
+          <a:prstGeom prst="flowChartDelay">
+            <a:avLst/>
+          </a:prstGeom>
+          <a:solidFill>
+            <a:srgbClr val="00A0E4"/>
+          </a:solidFill>
+          <a:ln>
+            <a:solidFill>
+              <a:srgbClr val="009BDE"/>
+            </a:solidFill>
+          </a:ln>
+        </p:spPr>
+        <p:style>
+          <a:lnRef idx="2">
+            <a:schemeClr val="accent1">
+              <a:shade val="50000"/>
+            </a:schemeClr>
+          </a:lnRef>
+          <a:fillRef idx="1">
+            <a:schemeClr val="accent1"/>
+          </a:fillRef>
+          <a:effectRef idx="0">
+            <a:schemeClr val="accent1"/>
+          </a:effectRef>
+          <a:fontRef idx="minor">
+            <a:schemeClr val="lt1"/>
+          </a:fontRef>
+        </p:style>
+        <p:txBody>
+          <a:bodyPr rtlCol="0" anchor="ctr"/>
+          <a:lstStyle/>
+          <a:p>
+            <a:pPr algn="ctr"/>
+            <a:endParaRPr lang="en-US"/>
+          </a:p>
+        </p:txBody>
+      </p:sp>
+      <p:sp>
+        <p:nvSpPr>
+          <p:cNvPr id="28" name="Fluxograma: Atraso 27">
+            <a:extLst>
+              <a:ext uri="{FF2B5EF4-FFF2-40B4-BE49-F238E27FC236}">
+                <a16:creationId xmlns:a16="http://schemas.microsoft.com/office/drawing/2014/main" id="{452C0537-8C4E-BB00-99D5-D4F24400F4EE}"/>
+              </a:ext>
+            </a:extLst>
+          </p:cNvPr>
+          <p:cNvSpPr/>
+          <p:nvPr/>
+        </p:nvSpPr>
+        <p:spPr>
+          <a:xfrm>
+            <a:off x="4405837" y="4922984"/>
+            <a:ext cx="343949" cy="293615"/>
+          </a:xfrm>
+          <a:prstGeom prst="flowChartDelay">
+            <a:avLst/>
+          </a:prstGeom>
+          <a:solidFill>
+            <a:srgbClr val="00A0E4"/>
+          </a:solidFill>
+          <a:ln>
+            <a:solidFill>
+              <a:srgbClr val="009BDE"/>
+            </a:solidFill>
+          </a:ln>
+        </p:spPr>
+        <p:style>
+          <a:lnRef idx="2">
+            <a:schemeClr val="accent1">
+              <a:shade val="50000"/>
+            </a:schemeClr>
+          </a:lnRef>
+          <a:fillRef idx="1">
+            <a:schemeClr val="accent1"/>
+          </a:fillRef>
+          <a:effectRef idx="0">
+            <a:schemeClr val="accent1"/>
+          </a:effectRef>
+          <a:fontRef idx="minor">
+            <a:schemeClr val="lt1"/>
+          </a:fontRef>
+        </p:style>
+        <p:txBody>
+          <a:bodyPr rtlCol="0" anchor="ctr"/>
+          <a:lstStyle/>
+          <a:p>
+            <a:pPr algn="ctr"/>
+            <a:endParaRPr lang="en-US"/>
+          </a:p>
+        </p:txBody>
+      </p:sp>
+      <p:sp>
+        <p:nvSpPr>
+          <p:cNvPr id="29" name="Fluxograma: Atraso 28">
+            <a:extLst>
+              <a:ext uri="{FF2B5EF4-FFF2-40B4-BE49-F238E27FC236}">
+                <a16:creationId xmlns:a16="http://schemas.microsoft.com/office/drawing/2014/main" id="{D1ECB0B1-63A5-CF84-5975-0313C85EDFBC}"/>
+              </a:ext>
+            </a:extLst>
+          </p:cNvPr>
+          <p:cNvSpPr/>
+          <p:nvPr/>
+        </p:nvSpPr>
+        <p:spPr>
+          <a:xfrm rot="10800000">
+            <a:off x="3949359" y="4922984"/>
+            <a:ext cx="343949" cy="293615"/>
+          </a:xfrm>
+          <a:prstGeom prst="flowChartDelay">
+            <a:avLst/>
+          </a:prstGeom>
+          <a:solidFill>
+            <a:srgbClr val="00A0E4"/>
+          </a:solidFill>
+          <a:ln>
+            <a:solidFill>
+              <a:srgbClr val="009BDE"/>
+            </a:solidFill>
+          </a:ln>
+        </p:spPr>
+        <p:style>
+          <a:lnRef idx="2">
+            <a:schemeClr val="accent1">
+              <a:shade val="50000"/>
+            </a:schemeClr>
+          </a:lnRef>
+          <a:fillRef idx="1">
+            <a:schemeClr val="accent1"/>
+          </a:fillRef>
+          <a:effectRef idx="0">
+            <a:schemeClr val="accent1"/>
+          </a:effectRef>
+          <a:fontRef idx="minor">
+            <a:schemeClr val="lt1"/>
+          </a:fontRef>
+        </p:style>
+        <p:txBody>
+          <a:bodyPr rtlCol="0" anchor="ctr"/>
+          <a:lstStyle/>
+          <a:p>
+            <a:pPr algn="ctr"/>
+            <a:endParaRPr lang="en-US" dirty="0"/>
+          </a:p>
+        </p:txBody>
+      </p:sp>
+      <p:sp>
+        <p:nvSpPr>
+          <p:cNvPr id="30" name="Fluxograma: Atraso 29">
+            <a:extLst>
+              <a:ext uri="{FF2B5EF4-FFF2-40B4-BE49-F238E27FC236}">
+                <a16:creationId xmlns:a16="http://schemas.microsoft.com/office/drawing/2014/main" id="{D400888B-5A46-28F5-DA24-9C8A20EF9D44}"/>
+              </a:ext>
+            </a:extLst>
+          </p:cNvPr>
+          <p:cNvSpPr/>
+          <p:nvPr/>
+        </p:nvSpPr>
+        <p:spPr>
+          <a:xfrm>
+            <a:off x="4405836" y="5402507"/>
+            <a:ext cx="343949" cy="293615"/>
+          </a:xfrm>
+          <a:prstGeom prst="flowChartDelay">
+            <a:avLst/>
+          </a:prstGeom>
+          <a:solidFill>
+            <a:srgbClr val="00A0E4"/>
+          </a:solidFill>
+          <a:ln>
+            <a:solidFill>
+              <a:srgbClr val="009BDE"/>
+            </a:solidFill>
+          </a:ln>
+        </p:spPr>
+        <p:style>
+          <a:lnRef idx="2">
+            <a:schemeClr val="accent1">
+              <a:shade val="50000"/>
+            </a:schemeClr>
+          </a:lnRef>
+          <a:fillRef idx="1">
+            <a:schemeClr val="accent1"/>
+          </a:fillRef>
+          <a:effectRef idx="0">
+            <a:schemeClr val="accent1"/>
+          </a:effectRef>
+          <a:fontRef idx="minor">
+            <a:schemeClr val="lt1"/>
+          </a:fontRef>
+        </p:style>
+        <p:txBody>
+          <a:bodyPr rtlCol="0" anchor="ctr"/>
+          <a:lstStyle/>
+          <a:p>
+            <a:pPr algn="ctr"/>
+            <a:endParaRPr lang="en-US"/>
+          </a:p>
+        </p:txBody>
+      </p:sp>
+      <p:sp>
+        <p:nvSpPr>
+          <p:cNvPr id="31" name="Fluxograma: Atraso 30">
+            <a:extLst>
+              <a:ext uri="{FF2B5EF4-FFF2-40B4-BE49-F238E27FC236}">
+                <a16:creationId xmlns:a16="http://schemas.microsoft.com/office/drawing/2014/main" id="{89014085-22AB-38D8-23F4-C76880493622}"/>
+              </a:ext>
+            </a:extLst>
+          </p:cNvPr>
+          <p:cNvSpPr/>
+          <p:nvPr/>
+        </p:nvSpPr>
+        <p:spPr>
+          <a:xfrm rot="10800000">
+            <a:off x="3949358" y="5402507"/>
+            <a:ext cx="343949" cy="293615"/>
+          </a:xfrm>
+          <a:prstGeom prst="flowChartDelay">
+            <a:avLst/>
+          </a:prstGeom>
+          <a:solidFill>
+            <a:srgbClr val="00A0E4"/>
+          </a:solidFill>
+          <a:ln>
+            <a:solidFill>
+              <a:srgbClr val="009BDE"/>
+            </a:solidFill>
+          </a:ln>
+        </p:spPr>
+        <p:style>
+          <a:lnRef idx="2">
+            <a:schemeClr val="accent1">
+              <a:shade val="50000"/>
+            </a:schemeClr>
+          </a:lnRef>
+          <a:fillRef idx="1">
+            <a:schemeClr val="accent1"/>
+          </a:fillRef>
+          <a:effectRef idx="0">
+            <a:schemeClr val="accent1"/>
+          </a:effectRef>
+          <a:fontRef idx="minor">
+            <a:schemeClr val="lt1"/>
+          </a:fontRef>
+        </p:style>
+        <p:txBody>
+          <a:bodyPr rtlCol="0" anchor="ctr"/>
+          <a:lstStyle/>
+          <a:p>
+            <a:pPr algn="ctr"/>
+            <a:endParaRPr lang="en-US" dirty="0"/>
+          </a:p>
+        </p:txBody>
+      </p:sp>
+      <p:sp>
+        <p:nvSpPr>
+          <p:cNvPr id="33" name="Fluxograma: Atraso 32">
+            <a:extLst>
+              <a:ext uri="{FF2B5EF4-FFF2-40B4-BE49-F238E27FC236}">
+                <a16:creationId xmlns:a16="http://schemas.microsoft.com/office/drawing/2014/main" id="{39ED9259-C262-CC6E-9CDC-31D13FE23CDC}"/>
+              </a:ext>
+            </a:extLst>
+          </p:cNvPr>
+          <p:cNvSpPr/>
+          <p:nvPr/>
+        </p:nvSpPr>
+        <p:spPr>
+          <a:xfrm>
+            <a:off x="4405835" y="5882029"/>
+            <a:ext cx="343949" cy="293615"/>
+          </a:xfrm>
+          <a:prstGeom prst="flowChartDelay">
+            <a:avLst/>
+          </a:prstGeom>
+          <a:solidFill>
+            <a:srgbClr val="00A0E4"/>
+          </a:solidFill>
+          <a:ln>
+            <a:solidFill>
+              <a:srgbClr val="009BDE"/>
+            </a:solidFill>
+          </a:ln>
+        </p:spPr>
+        <p:style>
+          <a:lnRef idx="2">
+            <a:schemeClr val="accent1">
+              <a:shade val="50000"/>
+            </a:schemeClr>
+          </a:lnRef>
+          <a:fillRef idx="1">
+            <a:schemeClr val="accent1"/>
+          </a:fillRef>
+          <a:effectRef idx="0">
+            <a:schemeClr val="accent1"/>
+          </a:effectRef>
+          <a:fontRef idx="minor">
+            <a:schemeClr val="lt1"/>
+          </a:fontRef>
+        </p:style>
+        <p:txBody>
+          <a:bodyPr rtlCol="0" anchor="ctr"/>
+          <a:lstStyle/>
+          <a:p>
+            <a:pPr algn="ctr"/>
+            <a:endParaRPr lang="en-US"/>
+          </a:p>
+        </p:txBody>
+      </p:sp>
+      <p:sp>
+        <p:nvSpPr>
+          <p:cNvPr id="34" name="Fluxograma: Atraso 33">
+            <a:extLst>
+              <a:ext uri="{FF2B5EF4-FFF2-40B4-BE49-F238E27FC236}">
+                <a16:creationId xmlns:a16="http://schemas.microsoft.com/office/drawing/2014/main" id="{49DACBC6-70F5-944F-8C27-1A4DC49C502F}"/>
+              </a:ext>
+            </a:extLst>
+          </p:cNvPr>
+          <p:cNvSpPr/>
+          <p:nvPr/>
+        </p:nvSpPr>
+        <p:spPr>
+          <a:xfrm rot="10800000">
+            <a:off x="3949357" y="5882029"/>
+            <a:ext cx="343949" cy="293615"/>
+          </a:xfrm>
+          <a:prstGeom prst="flowChartDelay">
+            <a:avLst/>
+          </a:prstGeom>
+          <a:solidFill>
+            <a:srgbClr val="00A0E4"/>
+          </a:solidFill>
+          <a:ln>
+            <a:solidFill>
+              <a:srgbClr val="009BDE"/>
+            </a:solidFill>
+          </a:ln>
+        </p:spPr>
+        <p:style>
+          <a:lnRef idx="2">
+            <a:schemeClr val="accent1">
+              <a:shade val="50000"/>
+            </a:schemeClr>
+          </a:lnRef>
+          <a:fillRef idx="1">
+            <a:schemeClr val="accent1"/>
+          </a:fillRef>
+          <a:effectRef idx="0">
+            <a:schemeClr val="accent1"/>
+          </a:effectRef>
+          <a:fontRef idx="minor">
+            <a:schemeClr val="lt1"/>
+          </a:fontRef>
+        </p:style>
+        <p:txBody>
+          <a:bodyPr rtlCol="0" anchor="ctr"/>
+          <a:lstStyle/>
+          <a:p>
+            <a:pPr algn="ctr"/>
+            <a:endParaRPr lang="en-US" dirty="0"/>
+          </a:p>
+        </p:txBody>
+      </p:sp>
+      <p:sp>
+        <p:nvSpPr>
+          <p:cNvPr id="35" name="Oval 34">
+            <a:extLst>
+              <a:ext uri="{FF2B5EF4-FFF2-40B4-BE49-F238E27FC236}">
+                <a16:creationId xmlns:a16="http://schemas.microsoft.com/office/drawing/2014/main" id="{267EB8C9-B555-C509-1397-95D7DA495255}"/>
+              </a:ext>
+            </a:extLst>
+          </p:cNvPr>
+          <p:cNvSpPr/>
+          <p:nvPr/>
+        </p:nvSpPr>
+        <p:spPr>
+          <a:xfrm>
+            <a:off x="3233711" y="4916866"/>
+            <a:ext cx="343950" cy="293615"/>
+          </a:xfrm>
+          <a:prstGeom prst="ellipse">
+            <a:avLst/>
+          </a:prstGeom>
+          <a:solidFill>
+            <a:srgbClr val="00A0E4"/>
+          </a:solidFill>
+          <a:ln>
+            <a:solidFill>
+              <a:srgbClr val="009BDE"/>
+            </a:solidFill>
+          </a:ln>
+        </p:spPr>
+        <p:style>
+          <a:lnRef idx="2">
+            <a:schemeClr val="accent1">
+              <a:shade val="50000"/>
+            </a:schemeClr>
+          </a:lnRef>
+          <a:fillRef idx="1">
+            <a:schemeClr val="accent1"/>
+          </a:fillRef>
+          <a:effectRef idx="0">
+            <a:schemeClr val="accent1"/>
+          </a:effectRef>
+          <a:fontRef idx="minor">
+            <a:schemeClr val="lt1"/>
+          </a:fontRef>
+        </p:style>
+        <p:txBody>
+          <a:bodyPr rtlCol="0" anchor="ctr"/>
+          <a:lstStyle/>
+          <a:p>
+            <a:pPr algn="ctr"/>
+            <a:endParaRPr lang="en-US"/>
+          </a:p>
+        </p:txBody>
+      </p:sp>
+      <p:sp>
+        <p:nvSpPr>
+          <p:cNvPr id="36" name="Oval 35">
+            <a:extLst>
+              <a:ext uri="{FF2B5EF4-FFF2-40B4-BE49-F238E27FC236}">
+                <a16:creationId xmlns:a16="http://schemas.microsoft.com/office/drawing/2014/main" id="{95EF4844-B793-6FF2-21E2-7DFCCF8542B1}"/>
+              </a:ext>
+            </a:extLst>
+          </p:cNvPr>
+          <p:cNvSpPr/>
+          <p:nvPr/>
+        </p:nvSpPr>
+        <p:spPr>
+          <a:xfrm>
+            <a:off x="3247879" y="5410416"/>
+            <a:ext cx="343950" cy="293615"/>
+          </a:xfrm>
+          <a:prstGeom prst="ellipse">
+            <a:avLst/>
+          </a:prstGeom>
+          <a:solidFill>
+            <a:srgbClr val="00A0E4"/>
+          </a:solidFill>
+          <a:ln>
+            <a:solidFill>
+              <a:srgbClr val="009BDE"/>
+            </a:solidFill>
+          </a:ln>
+        </p:spPr>
+        <p:style>
+          <a:lnRef idx="2">
+            <a:schemeClr val="accent1">
+              <a:shade val="50000"/>
+            </a:schemeClr>
+          </a:lnRef>
+          <a:fillRef idx="1">
+            <a:schemeClr val="accent1"/>
+          </a:fillRef>
+          <a:effectRef idx="0">
+            <a:schemeClr val="accent1"/>
+          </a:effectRef>
+          <a:fontRef idx="minor">
+            <a:schemeClr val="lt1"/>
+          </a:fontRef>
+        </p:style>
+        <p:txBody>
+          <a:bodyPr rtlCol="0" anchor="ctr"/>
+          <a:lstStyle/>
+          <a:p>
+            <a:pPr algn="ctr"/>
+            <a:endParaRPr lang="en-US"/>
+          </a:p>
+        </p:txBody>
+      </p:sp>
+      <p:sp>
+        <p:nvSpPr>
+          <p:cNvPr id="37" name="Oval 36">
+            <a:extLst>
+              <a:ext uri="{FF2B5EF4-FFF2-40B4-BE49-F238E27FC236}">
+                <a16:creationId xmlns:a16="http://schemas.microsoft.com/office/drawing/2014/main" id="{FE01E3ED-0C11-AC97-6FFE-D9E3295AFE83}"/>
+              </a:ext>
+            </a:extLst>
+          </p:cNvPr>
+          <p:cNvSpPr/>
+          <p:nvPr/>
+        </p:nvSpPr>
+        <p:spPr>
+          <a:xfrm>
+            <a:off x="2703913" y="4926837"/>
+            <a:ext cx="343950" cy="293615"/>
+          </a:xfrm>
+          <a:prstGeom prst="ellipse">
+            <a:avLst/>
+          </a:prstGeom>
+          <a:solidFill>
+            <a:srgbClr val="00A0E4"/>
+          </a:solidFill>
+          <a:ln>
+            <a:solidFill>
+              <a:srgbClr val="009BDE"/>
+            </a:solidFill>
+          </a:ln>
+        </p:spPr>
+        <p:style>
+          <a:lnRef idx="2">
+            <a:schemeClr val="accent1">
+              <a:shade val="50000"/>
+            </a:schemeClr>
+          </a:lnRef>
+          <a:fillRef idx="1">
+            <a:schemeClr val="accent1"/>
+          </a:fillRef>
+          <a:effectRef idx="0">
+            <a:schemeClr val="accent1"/>
+          </a:effectRef>
+          <a:fontRef idx="minor">
+            <a:schemeClr val="lt1"/>
+          </a:fontRef>
+        </p:style>
+        <p:txBody>
+          <a:bodyPr rtlCol="0" anchor="ctr"/>
+          <a:lstStyle/>
+          <a:p>
+            <a:pPr algn="ctr"/>
+            <a:endParaRPr lang="en-US"/>
+          </a:p>
+        </p:txBody>
+      </p:sp>
+      <p:sp>
+        <p:nvSpPr>
+          <p:cNvPr id="38" name="Oval 37">
+            <a:extLst>
+              <a:ext uri="{FF2B5EF4-FFF2-40B4-BE49-F238E27FC236}">
+                <a16:creationId xmlns:a16="http://schemas.microsoft.com/office/drawing/2014/main" id="{407A8002-720E-C9F2-7791-371E230533A9}"/>
+              </a:ext>
+            </a:extLst>
+          </p:cNvPr>
+          <p:cNvSpPr/>
+          <p:nvPr/>
+        </p:nvSpPr>
+        <p:spPr>
+          <a:xfrm>
+            <a:off x="2704620" y="5410416"/>
+            <a:ext cx="343950" cy="293615"/>
+          </a:xfrm>
+          <a:prstGeom prst="ellipse">
+            <a:avLst/>
+          </a:prstGeom>
+          <a:solidFill>
+            <a:srgbClr val="00A0E4"/>
+          </a:solidFill>
+          <a:ln>
+            <a:solidFill>
+              <a:srgbClr val="009BDE"/>
+            </a:solidFill>
+          </a:ln>
+        </p:spPr>
+        <p:style>
+          <a:lnRef idx="2">
+            <a:schemeClr val="accent1">
+              <a:shade val="50000"/>
+            </a:schemeClr>
+          </a:lnRef>
+          <a:fillRef idx="1">
+            <a:schemeClr val="accent1"/>
+          </a:fillRef>
+          <a:effectRef idx="0">
+            <a:schemeClr val="accent1"/>
+          </a:effectRef>
+          <a:fontRef idx="minor">
+            <a:schemeClr val="lt1"/>
+          </a:fontRef>
+        </p:style>
+        <p:txBody>
+          <a:bodyPr rtlCol="0" anchor="ctr"/>
+          <a:lstStyle/>
+          <a:p>
+            <a:pPr algn="ctr"/>
+            <a:endParaRPr lang="en-US"/>
+          </a:p>
+        </p:txBody>
+      </p:sp>
+      <p:pic>
+        <p:nvPicPr>
+          <p:cNvPr id="1026" name="Picture 2" descr="Battleship (puzzle) - Wikipedia">
+            <a:extLst>
+              <a:ext uri="{FF2B5EF4-FFF2-40B4-BE49-F238E27FC236}">
+                <a16:creationId xmlns:a16="http://schemas.microsoft.com/office/drawing/2014/main" id="{C61F5A68-2342-3970-D4EE-520D0762F3B5}"/>
+              </a:ext>
+            </a:extLst>
+          </p:cNvPr>
+          <p:cNvPicPr>
+            <a:picLocks noChangeAspect="1" noChangeArrowheads="1"/>
+          </p:cNvPicPr>
+          <p:nvPr/>
+        </p:nvPicPr>
+        <p:blipFill rotWithShape="1">
+          <a:blip r:embed="rId3">
+            <a:duotone>
+              <a:prstClr val="black"/>
+              <a:srgbClr val="009BDE">
+                <a:tint val="45000"/>
+                <a:satMod val="400000"/>
+              </a:srgbClr>
+            </a:duotone>
+            <a:extLst>
+              <a:ext uri="{28A0092B-C50C-407E-A947-70E740481C1C}">
+                <a14:useLocalDpi xmlns:a14="http://schemas.microsoft.com/office/drawing/2010/main" val="0"/>
+              </a:ext>
+            </a:extLst>
+          </a:blip>
+          <a:srcRect t="27486" b="63058"/>
+          <a:stretch/>
+        </p:blipFill>
+        <p:spPr bwMode="auto">
+          <a:xfrm>
+            <a:off x="4038600" y="2671869"/>
+            <a:ext cx="3554903" cy="336151"/>
+          </a:xfrm>
+          <a:prstGeom prst="rect">
+            <a:avLst/>
+          </a:prstGeom>
+        </p:spPr>
+      </p:pic>
+      <p:sp>
+        <p:nvSpPr>
+          <p:cNvPr id="39" name="Oval 38">
+            <a:extLst>
+              <a:ext uri="{FF2B5EF4-FFF2-40B4-BE49-F238E27FC236}">
+                <a16:creationId xmlns:a16="http://schemas.microsoft.com/office/drawing/2014/main" id="{C16143DE-9005-3A79-5443-840C44D79926}"/>
+              </a:ext>
+            </a:extLst>
+          </p:cNvPr>
+          <p:cNvSpPr/>
+          <p:nvPr/>
+        </p:nvSpPr>
+        <p:spPr>
+          <a:xfrm>
+            <a:off x="784998" y="3488563"/>
+            <a:ext cx="79104" cy="68262"/>
+          </a:xfrm>
+          <a:prstGeom prst="ellipse">
+            <a:avLst/>
+          </a:prstGeom>
+          <a:solidFill>
+            <a:srgbClr val="00A0E4"/>
+          </a:solidFill>
+          <a:ln>
+            <a:solidFill>
+              <a:srgbClr val="009BDE"/>
+            </a:solidFill>
+          </a:ln>
+        </p:spPr>
+        <p:style>
+          <a:lnRef idx="2">
+            <a:schemeClr val="accent1">
+              <a:shade val="50000"/>
+            </a:schemeClr>
+          </a:lnRef>
+          <a:fillRef idx="1">
+            <a:schemeClr val="accent1"/>
+          </a:fillRef>
+          <a:effectRef idx="0">
+            <a:schemeClr val="accent1"/>
+          </a:effectRef>
+          <a:fontRef idx="minor">
+            <a:schemeClr val="lt1"/>
+          </a:fontRef>
+        </p:style>
+        <p:txBody>
+          <a:bodyPr rtlCol="0" anchor="ctr"/>
+          <a:lstStyle/>
+          <a:p>
+            <a:pPr algn="ctr"/>
+            <a:endParaRPr lang="en-US"/>
+          </a:p>
+        </p:txBody>
+      </p:sp>
+      <p:sp>
+        <p:nvSpPr>
+          <p:cNvPr id="40" name="CaixaDeTexto 39">
+            <a:extLst>
+              <a:ext uri="{FF2B5EF4-FFF2-40B4-BE49-F238E27FC236}">
+                <a16:creationId xmlns:a16="http://schemas.microsoft.com/office/drawing/2014/main" id="{67BCF529-DB87-13BB-3072-A65595E3ACAF}"/>
+              </a:ext>
+            </a:extLst>
+          </p:cNvPr>
+          <p:cNvSpPr txBox="1"/>
+          <p:nvPr/>
+        </p:nvSpPr>
+        <p:spPr>
+          <a:xfrm>
+            <a:off x="1040235" y="3335179"/>
+            <a:ext cx="10313565" cy="369332"/>
+          </a:xfrm>
+          <a:prstGeom prst="rect">
+            <a:avLst/>
+          </a:prstGeom>
+          <a:noFill/>
+        </p:spPr>
+        <p:txBody>
+          <a:bodyPr wrap="square" rtlCol="0">
+            <a:spAutoFit/>
+          </a:bodyPr>
+          <a:lstStyle/>
+          <a:p>
+            <a:r>
+              <a:rPr lang="pt-PT" dirty="0">
+                <a:solidFill>
+                  <a:schemeClr val="bg2">
+                    <a:lumMod val="50000"/>
+                  </a:schemeClr>
+                </a:solidFill>
+              </a:rPr>
+              <a:t>Os barcos </a:t>
+            </a:r>
+            <a:r>
+              <a:rPr lang="pt-PT" dirty="0"/>
+              <a:t>não podem</a:t>
+            </a:r>
+            <a:r>
+              <a:rPr lang="pt-PT" dirty="0">
+                <a:solidFill>
+                  <a:schemeClr val="bg2">
+                    <a:lumMod val="50000"/>
+                  </a:schemeClr>
+                </a:solidFill>
+              </a:rPr>
+              <a:t> tocar.</a:t>
+            </a:r>
+            <a:endParaRPr lang="en-US" dirty="0">
+              <a:solidFill>
+                <a:schemeClr val="bg2">
+                  <a:lumMod val="50000"/>
+                </a:schemeClr>
+              </a:solidFill>
+            </a:endParaRPr>
+          </a:p>
+        </p:txBody>
+      </p:sp>
+      <p:sp>
+        <p:nvSpPr>
+          <p:cNvPr id="41" name="Fluxograma: Atraso 40">
+            <a:extLst>
+              <a:ext uri="{FF2B5EF4-FFF2-40B4-BE49-F238E27FC236}">
+                <a16:creationId xmlns:a16="http://schemas.microsoft.com/office/drawing/2014/main" id="{A3489AF0-4296-3901-EA25-873DD4CD3897}"/>
+              </a:ext>
+            </a:extLst>
+          </p:cNvPr>
+          <p:cNvSpPr/>
+          <p:nvPr/>
+        </p:nvSpPr>
+        <p:spPr>
+          <a:xfrm>
+            <a:off x="6603137" y="2685382"/>
+            <a:ext cx="343949" cy="293615"/>
+          </a:xfrm>
+          <a:prstGeom prst="flowChartDelay">
+            <a:avLst/>
+          </a:prstGeom>
+          <a:solidFill>
+            <a:srgbClr val="00A0E4"/>
+          </a:solidFill>
+          <a:ln>
+            <a:noFill/>
+          </a:ln>
+        </p:spPr>
+        <p:style>
+          <a:lnRef idx="2">
+            <a:schemeClr val="accent1">
+              <a:shade val="50000"/>
+            </a:schemeClr>
+          </a:lnRef>
+          <a:fillRef idx="1">
+            <a:schemeClr val="accent1"/>
+          </a:fillRef>
+          <a:effectRef idx="0">
+            <a:schemeClr val="accent1"/>
+          </a:effectRef>
+          <a:fontRef idx="minor">
+            <a:schemeClr val="lt1"/>
+          </a:fontRef>
+        </p:style>
+        <p:txBody>
+          <a:bodyPr rtlCol="0" anchor="ctr"/>
+          <a:lstStyle/>
+          <a:p>
+            <a:pPr algn="ctr"/>
+            <a:endParaRPr lang="en-US" dirty="0"/>
+          </a:p>
+        </p:txBody>
+      </p:sp>
+      <p:sp>
+        <p:nvSpPr>
+          <p:cNvPr id="42" name="Retângulo 41">
+            <a:extLst>
+              <a:ext uri="{FF2B5EF4-FFF2-40B4-BE49-F238E27FC236}">
+                <a16:creationId xmlns:a16="http://schemas.microsoft.com/office/drawing/2014/main" id="{83EFE5A5-BC44-C26E-2DD5-A0214640CBD6}"/>
+              </a:ext>
+            </a:extLst>
+          </p:cNvPr>
+          <p:cNvSpPr/>
+          <p:nvPr/>
+        </p:nvSpPr>
+        <p:spPr>
+          <a:xfrm>
+            <a:off x="5939425" y="2683655"/>
+            <a:ext cx="663712" cy="293615"/>
+          </a:xfrm>
+          <a:prstGeom prst="rect">
+            <a:avLst/>
+          </a:prstGeom>
+          <a:solidFill>
+            <a:srgbClr val="00A0E4"/>
+          </a:solidFill>
+          <a:ln>
+            <a:noFill/>
+          </a:ln>
+        </p:spPr>
+        <p:style>
+          <a:lnRef idx="2">
+            <a:schemeClr val="accent1">
+              <a:shade val="50000"/>
+            </a:schemeClr>
+          </a:lnRef>
+          <a:fillRef idx="1">
+            <a:schemeClr val="accent1"/>
+          </a:fillRef>
+          <a:effectRef idx="0">
+            <a:schemeClr val="accent1"/>
+          </a:effectRef>
+          <a:fontRef idx="minor">
+            <a:schemeClr val="lt1"/>
+          </a:fontRef>
+        </p:style>
+        <p:txBody>
+          <a:bodyPr rtlCol="0" anchor="ctr"/>
+          <a:lstStyle/>
+          <a:p>
+            <a:pPr algn="ctr"/>
+            <a:endParaRPr lang="en-US"/>
+          </a:p>
+        </p:txBody>
+      </p:sp>
+      <p:sp>
+        <p:nvSpPr>
+          <p:cNvPr id="44" name="Fluxograma: Atraso 43">
+            <a:extLst>
+              <a:ext uri="{FF2B5EF4-FFF2-40B4-BE49-F238E27FC236}">
+                <a16:creationId xmlns:a16="http://schemas.microsoft.com/office/drawing/2014/main" id="{30733CCE-1933-3AC0-384A-1D59B3785828}"/>
+              </a:ext>
+            </a:extLst>
+          </p:cNvPr>
+          <p:cNvSpPr/>
+          <p:nvPr/>
+        </p:nvSpPr>
+        <p:spPr>
+          <a:xfrm rot="10800000">
+            <a:off x="5673181" y="2683654"/>
+            <a:ext cx="266244" cy="293615"/>
+          </a:xfrm>
+          <a:prstGeom prst="flowChartDelay">
+            <a:avLst/>
+          </a:prstGeom>
+          <a:solidFill>
+            <a:srgbClr val="00A0E4"/>
+          </a:solidFill>
+          <a:ln>
+            <a:noFill/>
+          </a:ln>
+        </p:spPr>
+        <p:style>
+          <a:lnRef idx="2">
+            <a:schemeClr val="accent1">
+              <a:shade val="50000"/>
+            </a:schemeClr>
+          </a:lnRef>
+          <a:fillRef idx="1">
+            <a:schemeClr val="accent1"/>
+          </a:fillRef>
+          <a:effectRef idx="0">
+            <a:schemeClr val="accent1"/>
+          </a:effectRef>
+          <a:fontRef idx="minor">
+            <a:schemeClr val="lt1"/>
+          </a:fontRef>
+        </p:style>
+        <p:txBody>
+          <a:bodyPr rtlCol="0" anchor="ctr"/>
+          <a:lstStyle/>
+          <a:p>
+            <a:pPr algn="ctr"/>
+            <a:endParaRPr lang="en-US"/>
+          </a:p>
+        </p:txBody>
+      </p:sp>
+      <p:pic>
+        <p:nvPicPr>
+          <p:cNvPr id="45" name="Picture 2" descr="Battleship (puzzle) - Wikipedia">
+            <a:extLst>
+              <a:ext uri="{FF2B5EF4-FFF2-40B4-BE49-F238E27FC236}">
+                <a16:creationId xmlns:a16="http://schemas.microsoft.com/office/drawing/2014/main" id="{E55317B8-3D06-4913-8F7B-1B506A35C30B}"/>
+              </a:ext>
+            </a:extLst>
+          </p:cNvPr>
+          <p:cNvPicPr>
+            <a:picLocks noChangeAspect="1" noChangeArrowheads="1"/>
+          </p:cNvPicPr>
+          <p:nvPr/>
+        </p:nvPicPr>
+        <p:blipFill rotWithShape="1">
+          <a:blip r:embed="rId3">
+            <a:duotone>
+              <a:prstClr val="black"/>
+              <a:srgbClr val="009BDE">
+                <a:tint val="45000"/>
+                <a:satMod val="400000"/>
+              </a:srgbClr>
+            </a:duotone>
+            <a:extLst>
+              <a:ext uri="{28A0092B-C50C-407E-A947-70E740481C1C}">
+                <a14:useLocalDpi xmlns:a14="http://schemas.microsoft.com/office/drawing/2010/main" val="0"/>
+              </a:ext>
+            </a:extLst>
+          </a:blip>
+          <a:srcRect t="27486" r="8729" b="63058"/>
+          <a:stretch/>
+        </p:blipFill>
+        <p:spPr bwMode="auto">
+          <a:xfrm>
+            <a:off x="4038601" y="3799508"/>
+            <a:ext cx="3244578" cy="336151"/>
+          </a:xfrm>
+          <a:prstGeom prst="rect">
+            <a:avLst/>
+          </a:prstGeom>
+        </p:spPr>
+      </p:pic>
+      <p:sp>
+        <p:nvSpPr>
+          <p:cNvPr id="46" name="Fluxograma: Atraso 45">
+            <a:extLst>
+              <a:ext uri="{FF2B5EF4-FFF2-40B4-BE49-F238E27FC236}">
+                <a16:creationId xmlns:a16="http://schemas.microsoft.com/office/drawing/2014/main" id="{2AFEC1AF-F16A-E054-0EA6-9A66A3AE827E}"/>
+              </a:ext>
+            </a:extLst>
+          </p:cNvPr>
+          <p:cNvSpPr/>
+          <p:nvPr/>
+        </p:nvSpPr>
+        <p:spPr>
+          <a:xfrm>
+            <a:off x="6603137" y="3813021"/>
+            <a:ext cx="343949" cy="293615"/>
+          </a:xfrm>
+          <a:prstGeom prst="flowChartDelay">
+            <a:avLst/>
+          </a:prstGeom>
+          <a:solidFill>
+            <a:srgbClr val="00A0E4"/>
+          </a:solidFill>
+          <a:ln>
+            <a:noFill/>
+          </a:ln>
+        </p:spPr>
+        <p:style>
+          <a:lnRef idx="2">
+            <a:schemeClr val="accent1">
+              <a:shade val="50000"/>
+            </a:schemeClr>
+          </a:lnRef>
+          <a:fillRef idx="1">
+            <a:schemeClr val="accent1"/>
+          </a:fillRef>
+          <a:effectRef idx="0">
+            <a:schemeClr val="accent1"/>
+          </a:effectRef>
+          <a:fontRef idx="minor">
+            <a:schemeClr val="lt1"/>
+          </a:fontRef>
+        </p:style>
+        <p:txBody>
+          <a:bodyPr rtlCol="0" anchor="ctr"/>
+          <a:lstStyle/>
+          <a:p>
+            <a:pPr algn="ctr"/>
+            <a:endParaRPr lang="en-US" dirty="0"/>
+          </a:p>
+        </p:txBody>
+      </p:sp>
+      <p:sp>
+        <p:nvSpPr>
+          <p:cNvPr id="47" name="Retângulo 46">
+            <a:extLst>
+              <a:ext uri="{FF2B5EF4-FFF2-40B4-BE49-F238E27FC236}">
+                <a16:creationId xmlns:a16="http://schemas.microsoft.com/office/drawing/2014/main" id="{11369182-78FE-48FB-0BAE-DEC6559692C3}"/>
+              </a:ext>
+            </a:extLst>
+          </p:cNvPr>
+          <p:cNvSpPr/>
+          <p:nvPr/>
+        </p:nvSpPr>
+        <p:spPr>
+          <a:xfrm>
+            <a:off x="5939425" y="3811294"/>
+            <a:ext cx="663712" cy="293615"/>
+          </a:xfrm>
+          <a:prstGeom prst="rect">
+            <a:avLst/>
+          </a:prstGeom>
+          <a:solidFill>
+            <a:srgbClr val="00A0E4"/>
+          </a:solidFill>
+          <a:ln>
+            <a:noFill/>
+          </a:ln>
+        </p:spPr>
+        <p:style>
+          <a:lnRef idx="2">
+            <a:schemeClr val="accent1">
+              <a:shade val="50000"/>
+            </a:schemeClr>
+          </a:lnRef>
+          <a:fillRef idx="1">
+            <a:schemeClr val="accent1"/>
+          </a:fillRef>
+          <a:effectRef idx="0">
+            <a:schemeClr val="accent1"/>
+          </a:effectRef>
+          <a:fontRef idx="minor">
+            <a:schemeClr val="lt1"/>
+          </a:fontRef>
+        </p:style>
+        <p:txBody>
+          <a:bodyPr rtlCol="0" anchor="ctr"/>
+          <a:lstStyle/>
+          <a:p>
+            <a:pPr algn="ctr"/>
+            <a:endParaRPr lang="en-US"/>
+          </a:p>
+        </p:txBody>
+      </p:sp>
+      <p:sp>
+        <p:nvSpPr>
+          <p:cNvPr id="49" name="Fluxograma: Atraso 48">
+            <a:extLst>
+              <a:ext uri="{FF2B5EF4-FFF2-40B4-BE49-F238E27FC236}">
+                <a16:creationId xmlns:a16="http://schemas.microsoft.com/office/drawing/2014/main" id="{C36AD6EA-A556-7B0C-FA67-2951003FDC45}"/>
+              </a:ext>
+            </a:extLst>
+          </p:cNvPr>
+          <p:cNvSpPr/>
+          <p:nvPr/>
+        </p:nvSpPr>
+        <p:spPr>
+          <a:xfrm rot="10800000">
+            <a:off x="5673181" y="3811293"/>
+            <a:ext cx="266244" cy="293615"/>
+          </a:xfrm>
+          <a:prstGeom prst="flowChartDelay">
+            <a:avLst/>
+          </a:prstGeom>
+          <a:solidFill>
+            <a:srgbClr val="00A0E4"/>
+          </a:solidFill>
+          <a:ln>
+            <a:noFill/>
+          </a:ln>
+        </p:spPr>
+        <p:style>
+          <a:lnRef idx="2">
+            <a:schemeClr val="accent1">
+              <a:shade val="50000"/>
+            </a:schemeClr>
+          </a:lnRef>
+          <a:fillRef idx="1">
+            <a:schemeClr val="accent1"/>
+          </a:fillRef>
+          <a:effectRef idx="0">
+            <a:schemeClr val="accent1"/>
+          </a:effectRef>
+          <a:fontRef idx="minor">
+            <a:schemeClr val="lt1"/>
+          </a:fontRef>
+        </p:style>
+        <p:txBody>
+          <a:bodyPr rtlCol="0" anchor="ctr"/>
+          <a:lstStyle/>
+          <a:p>
+            <a:pPr algn="ctr"/>
+            <a:endParaRPr lang="en-US"/>
+          </a:p>
+        </p:txBody>
+      </p:sp>
+      <p:sp>
+        <p:nvSpPr>
+          <p:cNvPr id="50" name="Oval 49">
+            <a:extLst>
+              <a:ext uri="{FF2B5EF4-FFF2-40B4-BE49-F238E27FC236}">
+                <a16:creationId xmlns:a16="http://schemas.microsoft.com/office/drawing/2014/main" id="{9EC3C46B-0C41-5826-07A6-584E4459F533}"/>
+              </a:ext>
+            </a:extLst>
+          </p:cNvPr>
+          <p:cNvSpPr/>
+          <p:nvPr/>
+        </p:nvSpPr>
+        <p:spPr>
+          <a:xfrm>
+            <a:off x="5353417" y="3819861"/>
+            <a:ext cx="291848" cy="283415"/>
+          </a:xfrm>
+          <a:prstGeom prst="ellipse">
+            <a:avLst/>
+          </a:prstGeom>
+          <a:solidFill>
+            <a:srgbClr val="00A0E4"/>
+          </a:solidFill>
+          <a:ln>
+            <a:solidFill>
+              <a:schemeClr val="tx1"/>
+            </a:solidFill>
+          </a:ln>
+        </p:spPr>
+        <p:style>
+          <a:lnRef idx="2">
+            <a:schemeClr val="accent1">
+              <a:shade val="50000"/>
+            </a:schemeClr>
+          </a:lnRef>
+          <a:fillRef idx="1">
+            <a:schemeClr val="accent1"/>
+          </a:fillRef>
+          <a:effectRef idx="0">
+            <a:schemeClr val="accent1"/>
+          </a:effectRef>
+          <a:fontRef idx="minor">
+            <a:schemeClr val="lt1"/>
+          </a:fontRef>
+        </p:style>
+        <p:txBody>
+          <a:bodyPr rtlCol="0" anchor="ctr"/>
+          <a:lstStyle/>
+          <a:p>
+            <a:pPr algn="ctr"/>
+            <a:endParaRPr lang="en-US"/>
+          </a:p>
+        </p:txBody>
+      </p:sp>
+      <p:sp>
+        <p:nvSpPr>
+          <p:cNvPr id="51" name="Sinal de Multiplicação 50">
+            <a:extLst>
+              <a:ext uri="{FF2B5EF4-FFF2-40B4-BE49-F238E27FC236}">
+                <a16:creationId xmlns:a16="http://schemas.microsoft.com/office/drawing/2014/main" id="{94148CBB-7480-887D-DF52-48963BE3CE3E}"/>
+              </a:ext>
+            </a:extLst>
+          </p:cNvPr>
+          <p:cNvSpPr/>
+          <p:nvPr/>
+        </p:nvSpPr>
+        <p:spPr>
+          <a:xfrm>
+            <a:off x="7579208" y="3675441"/>
+            <a:ext cx="623689" cy="534447"/>
+          </a:xfrm>
+          <a:prstGeom prst="mathMultiply">
+            <a:avLst/>
+          </a:prstGeom>
+          <a:solidFill>
+            <a:srgbClr val="FF0000"/>
+          </a:solidFill>
+          <a:ln>
+            <a:solidFill>
+              <a:srgbClr val="FF0000"/>
+            </a:solidFill>
+          </a:ln>
+        </p:spPr>
+        <p:style>
+          <a:lnRef idx="2">
+            <a:schemeClr val="accent1">
+              <a:shade val="50000"/>
+            </a:schemeClr>
+          </a:lnRef>
+          <a:fillRef idx="1">
+            <a:schemeClr val="accent1"/>
+          </a:fillRef>
+          <a:effectRef idx="0">
+            <a:schemeClr val="accent1"/>
+          </a:effectRef>
+          <a:fontRef idx="minor">
+            <a:schemeClr val="lt1"/>
+          </a:fontRef>
+        </p:style>
+        <p:txBody>
+          <a:bodyPr rtlCol="0" anchor="ctr"/>
+          <a:lstStyle/>
+          <a:p>
+            <a:pPr algn="ctr"/>
+            <a:endParaRPr lang="en-US"/>
+          </a:p>
+        </p:txBody>
+      </p:sp>
+    </p:spTree>
+    <p:extLst>
+      <p:ext uri="{BB962C8B-B14F-4D97-AF65-F5344CB8AC3E}">
+        <p14:creationId xmlns:p14="http://schemas.microsoft.com/office/powerpoint/2010/main" val="2533908009"/>
+      </p:ext>
+    </p:extLst>
+  </p:cSld>
+  <p:clrMapOvr>
+    <a:masterClrMapping/>
+  </p:clrMapOvr>
+  <p:transition spd="slow">
+    <p:push dir="u"/>
+  </p:transition>
+  <p:timing>
+    <p:tnLst>
+      <p:par>
+        <p:cTn id="1" dur="indefinite" restart="never" nodeType="tmRoot">
+          <p:childTnLst>
+            <p:seq concurrent="1" nextAc="seek">
+              <p:cTn id="2" dur="indefinite" nodeType="mainSeq">
+                <p:childTnLst>
+                  <p:par>
+                    <p:cTn id="3" fill="hold">
+                      <p:stCondLst>
+                        <p:cond delay="indefinite"/>
+                        <p:cond evt="onBegin" delay="0">
+                          <p:tn val="2"/>
+                        </p:cond>
+                      </p:stCondLst>
+                      <p:childTnLst>
+                        <p:par>
+                          <p:cTn id="4" fill="hold">
+                            <p:stCondLst>
+                              <p:cond delay="0"/>
+                            </p:stCondLst>
+                            <p:childTnLst>
+                              <p:par>
+                                <p:cTn id="5" presetID="10" presetClass="entr" presetSubtype="0" fill="hold" grpId="0" nodeType="withEffect">
+                                  <p:stCondLst>
+                                    <p:cond delay="0"/>
+                                  </p:stCondLst>
+                                  <p:childTnLst>
+                                    <p:set>
+                                      <p:cBhvr>
+                                        <p:cTn id="6" dur="1" fill="hold">
+                                          <p:stCondLst>
+                                            <p:cond delay="0"/>
+                                          </p:stCondLst>
+                                        </p:cTn>
+                                        <p:tgtEl>
+                                          <p:spTgt spid="8"/>
+                                        </p:tgtEl>
+                                        <p:attrNameLst>
+                                          <p:attrName>style.visibility</p:attrName>
+                                        </p:attrNameLst>
+                                      </p:cBhvr>
+                                      <p:to>
+                                        <p:strVal val="visible"/>
+                                      </p:to>
+                                    </p:set>
+                                    <p:animEffect transition="in" filter="fade">
+                                      <p:cBhvr>
+                                        <p:cTn id="7" dur="500"/>
+                                        <p:tgtEl>
+                                          <p:spTgt spid="8"/>
+                                        </p:tgtEl>
+                                      </p:cBhvr>
+                                    </p:animEffect>
+                                  </p:childTnLst>
+                                </p:cTn>
+                              </p:par>
+                              <p:par>
+                                <p:cTn id="8" presetID="10" presetClass="entr" presetSubtype="0" fill="hold" nodeType="withEffect">
+                                  <p:stCondLst>
+                                    <p:cond delay="0"/>
+                                  </p:stCondLst>
+                                  <p:childTnLst>
+                                    <p:set>
+                                      <p:cBhvr>
+                                        <p:cTn id="9" dur="1" fill="hold">
+                                          <p:stCondLst>
+                                            <p:cond delay="0"/>
+                                          </p:stCondLst>
+                                        </p:cTn>
+                                        <p:tgtEl>
+                                          <p:spTgt spid="1026"/>
+                                        </p:tgtEl>
+                                        <p:attrNameLst>
+                                          <p:attrName>style.visibility</p:attrName>
+                                        </p:attrNameLst>
+                                      </p:cBhvr>
+                                      <p:to>
+                                        <p:strVal val="visible"/>
+                                      </p:to>
+                                    </p:set>
+                                    <p:animEffect transition="in" filter="fade">
+                                      <p:cBhvr>
+                                        <p:cTn id="10" dur="500"/>
+                                        <p:tgtEl>
+                                          <p:spTgt spid="1026"/>
+                                        </p:tgtEl>
+                                      </p:cBhvr>
+                                    </p:animEffect>
+                                  </p:childTnLst>
+                                </p:cTn>
+                              </p:par>
+                              <p:par>
+                                <p:cTn id="11" presetID="10" presetClass="entr" presetSubtype="0" fill="hold" grpId="0" nodeType="withEffect">
+                                  <p:stCondLst>
+                                    <p:cond delay="0"/>
+                                  </p:stCondLst>
+                                  <p:childTnLst>
+                                    <p:set>
+                                      <p:cBhvr>
+                                        <p:cTn id="12" dur="1" fill="hold">
+                                          <p:stCondLst>
+                                            <p:cond delay="0"/>
+                                          </p:stCondLst>
+                                        </p:cTn>
+                                        <p:tgtEl>
+                                          <p:spTgt spid="44"/>
+                                        </p:tgtEl>
+                                        <p:attrNameLst>
+                                          <p:attrName>style.visibility</p:attrName>
+                                        </p:attrNameLst>
+                                      </p:cBhvr>
+                                      <p:to>
+                                        <p:strVal val="visible"/>
+                                      </p:to>
+                                    </p:set>
+                                    <p:animEffect transition="in" filter="fade">
+                                      <p:cBhvr>
+                                        <p:cTn id="13" dur="500"/>
+                                        <p:tgtEl>
+                                          <p:spTgt spid="44"/>
+                                        </p:tgtEl>
+                                      </p:cBhvr>
+                                    </p:animEffect>
+                                  </p:childTnLst>
+                                </p:cTn>
+                              </p:par>
+                              <p:par>
+                                <p:cTn id="14" presetID="10" presetClass="entr" presetSubtype="0" fill="hold" grpId="0" nodeType="withEffect">
+                                  <p:stCondLst>
+                                    <p:cond delay="0"/>
+                                  </p:stCondLst>
+                                  <p:childTnLst>
+                                    <p:set>
+                                      <p:cBhvr>
+                                        <p:cTn id="15" dur="1" fill="hold">
+                                          <p:stCondLst>
+                                            <p:cond delay="0"/>
+                                          </p:stCondLst>
+                                        </p:cTn>
+                                        <p:tgtEl>
+                                          <p:spTgt spid="42"/>
+                                        </p:tgtEl>
+                                        <p:attrNameLst>
+                                          <p:attrName>style.visibility</p:attrName>
+                                        </p:attrNameLst>
+                                      </p:cBhvr>
+                                      <p:to>
+                                        <p:strVal val="visible"/>
+                                      </p:to>
+                                    </p:set>
+                                    <p:animEffect transition="in" filter="fade">
+                                      <p:cBhvr>
+                                        <p:cTn id="16" dur="500"/>
+                                        <p:tgtEl>
+                                          <p:spTgt spid="42"/>
+                                        </p:tgtEl>
+                                      </p:cBhvr>
+                                    </p:animEffect>
+                                  </p:childTnLst>
+                                </p:cTn>
+                              </p:par>
+                              <p:par>
+                                <p:cTn id="17" presetID="10" presetClass="entr" presetSubtype="0" fill="hold" grpId="0" nodeType="withEffect">
+                                  <p:stCondLst>
+                                    <p:cond delay="0"/>
+                                  </p:stCondLst>
+                                  <p:childTnLst>
+                                    <p:set>
+                                      <p:cBhvr>
+                                        <p:cTn id="18" dur="1" fill="hold">
+                                          <p:stCondLst>
+                                            <p:cond delay="0"/>
+                                          </p:stCondLst>
+                                        </p:cTn>
+                                        <p:tgtEl>
+                                          <p:spTgt spid="41"/>
+                                        </p:tgtEl>
+                                        <p:attrNameLst>
+                                          <p:attrName>style.visibility</p:attrName>
+                                        </p:attrNameLst>
+                                      </p:cBhvr>
+                                      <p:to>
+                                        <p:strVal val="visible"/>
+                                      </p:to>
+                                    </p:set>
+                                    <p:animEffect transition="in" filter="fade">
+                                      <p:cBhvr>
+                                        <p:cTn id="19" dur="500"/>
+                                        <p:tgtEl>
+                                          <p:spTgt spid="41"/>
+                                        </p:tgtEl>
+                                      </p:cBhvr>
+                                    </p:animEffect>
+                                  </p:childTnLst>
+                                </p:cTn>
+                              </p:par>
+                              <p:par>
+                                <p:cTn id="20" presetID="10" presetClass="entr" presetSubtype="0" fill="hold" grpId="0" nodeType="withEffect">
+                                  <p:stCondLst>
+                                    <p:cond delay="0"/>
+                                  </p:stCondLst>
+                                  <p:childTnLst>
+                                    <p:set>
+                                      <p:cBhvr>
+                                        <p:cTn id="21" dur="1" fill="hold">
+                                          <p:stCondLst>
+                                            <p:cond delay="0"/>
+                                          </p:stCondLst>
+                                        </p:cTn>
+                                        <p:tgtEl>
+                                          <p:spTgt spid="9"/>
+                                        </p:tgtEl>
+                                        <p:attrNameLst>
+                                          <p:attrName>style.visibility</p:attrName>
+                                        </p:attrNameLst>
+                                      </p:cBhvr>
+                                      <p:to>
+                                        <p:strVal val="visible"/>
+                                      </p:to>
+                                    </p:set>
+                                    <p:animEffect transition="in" filter="fade">
+                                      <p:cBhvr>
+                                        <p:cTn id="22" dur="500"/>
+                                        <p:tgtEl>
+                                          <p:spTgt spid="9"/>
+                                        </p:tgtEl>
+                                      </p:cBhvr>
+                                    </p:animEffect>
+                                  </p:childTnLst>
+                                </p:cTn>
+                              </p:par>
+                            </p:childTnLst>
+                          </p:cTn>
+                        </p:par>
+                      </p:childTnLst>
+                    </p:cTn>
+                  </p:par>
+                  <p:par>
+                    <p:cTn id="23" fill="hold">
+                      <p:stCondLst>
+                        <p:cond delay="indefinite"/>
+                      </p:stCondLst>
+                      <p:childTnLst>
+                        <p:par>
+                          <p:cTn id="24" fill="hold">
+                            <p:stCondLst>
+                              <p:cond delay="0"/>
+                            </p:stCondLst>
+                            <p:childTnLst>
+                              <p:par>
+                                <p:cTn id="25" presetID="10" presetClass="entr" presetSubtype="0" fill="hold" grpId="0" nodeType="clickEffect">
+                                  <p:stCondLst>
+                                    <p:cond delay="0"/>
+                                  </p:stCondLst>
+                                  <p:childTnLst>
+                                    <p:set>
+                                      <p:cBhvr>
+                                        <p:cTn id="26" dur="1" fill="hold">
+                                          <p:stCondLst>
+                                            <p:cond delay="0"/>
+                                          </p:stCondLst>
+                                        </p:cTn>
+                                        <p:tgtEl>
+                                          <p:spTgt spid="39"/>
+                                        </p:tgtEl>
+                                        <p:attrNameLst>
+                                          <p:attrName>style.visibility</p:attrName>
+                                        </p:attrNameLst>
+                                      </p:cBhvr>
+                                      <p:to>
+                                        <p:strVal val="visible"/>
+                                      </p:to>
+                                    </p:set>
+                                    <p:animEffect transition="in" filter="fade">
+                                      <p:cBhvr>
+                                        <p:cTn id="27" dur="500"/>
+                                        <p:tgtEl>
+                                          <p:spTgt spid="39"/>
+                                        </p:tgtEl>
+                                      </p:cBhvr>
+                                    </p:animEffect>
+                                  </p:childTnLst>
+                                </p:cTn>
+                              </p:par>
+                              <p:par>
+                                <p:cTn id="28" presetID="10" presetClass="entr" presetSubtype="0" fill="hold" grpId="0" nodeType="withEffect">
+                                  <p:stCondLst>
+                                    <p:cond delay="0"/>
+                                  </p:stCondLst>
+                                  <p:childTnLst>
+                                    <p:set>
+                                      <p:cBhvr>
+                                        <p:cTn id="29" dur="1" fill="hold">
+                                          <p:stCondLst>
+                                            <p:cond delay="0"/>
+                                          </p:stCondLst>
+                                        </p:cTn>
+                                        <p:tgtEl>
+                                          <p:spTgt spid="40"/>
+                                        </p:tgtEl>
+                                        <p:attrNameLst>
+                                          <p:attrName>style.visibility</p:attrName>
+                                        </p:attrNameLst>
+                                      </p:cBhvr>
+                                      <p:to>
+                                        <p:strVal val="visible"/>
+                                      </p:to>
+                                    </p:set>
+                                    <p:animEffect transition="in" filter="fade">
+                                      <p:cBhvr>
+                                        <p:cTn id="30" dur="500"/>
+                                        <p:tgtEl>
+                                          <p:spTgt spid="40"/>
+                                        </p:tgtEl>
+                                      </p:cBhvr>
+                                    </p:animEffect>
+                                  </p:childTnLst>
+                                </p:cTn>
+                              </p:par>
+                              <p:par>
+                                <p:cTn id="31" presetID="10" presetClass="entr" presetSubtype="0" fill="hold" nodeType="withEffect">
+                                  <p:stCondLst>
+                                    <p:cond delay="0"/>
+                                  </p:stCondLst>
+                                  <p:childTnLst>
+                                    <p:set>
+                                      <p:cBhvr>
+                                        <p:cTn id="32" dur="1" fill="hold">
+                                          <p:stCondLst>
+                                            <p:cond delay="0"/>
+                                          </p:stCondLst>
+                                        </p:cTn>
+                                        <p:tgtEl>
+                                          <p:spTgt spid="45"/>
+                                        </p:tgtEl>
+                                        <p:attrNameLst>
+                                          <p:attrName>style.visibility</p:attrName>
+                                        </p:attrNameLst>
+                                      </p:cBhvr>
+                                      <p:to>
+                                        <p:strVal val="visible"/>
+                                      </p:to>
+                                    </p:set>
+                                    <p:animEffect transition="in" filter="fade">
+                                      <p:cBhvr>
+                                        <p:cTn id="33" dur="500"/>
+                                        <p:tgtEl>
+                                          <p:spTgt spid="45"/>
+                                        </p:tgtEl>
+                                      </p:cBhvr>
+                                    </p:animEffect>
+                                  </p:childTnLst>
+                                </p:cTn>
+                              </p:par>
+                              <p:par>
+                                <p:cTn id="34" presetID="10" presetClass="entr" presetSubtype="0" fill="hold" grpId="0" nodeType="withEffect">
+                                  <p:stCondLst>
+                                    <p:cond delay="0"/>
+                                  </p:stCondLst>
+                                  <p:childTnLst>
+                                    <p:set>
+                                      <p:cBhvr>
+                                        <p:cTn id="35" dur="1" fill="hold">
+                                          <p:stCondLst>
+                                            <p:cond delay="0"/>
+                                          </p:stCondLst>
+                                        </p:cTn>
+                                        <p:tgtEl>
+                                          <p:spTgt spid="50"/>
+                                        </p:tgtEl>
+                                        <p:attrNameLst>
+                                          <p:attrName>style.visibility</p:attrName>
+                                        </p:attrNameLst>
+                                      </p:cBhvr>
+                                      <p:to>
+                                        <p:strVal val="visible"/>
+                                      </p:to>
+                                    </p:set>
+                                    <p:animEffect transition="in" filter="fade">
+                                      <p:cBhvr>
+                                        <p:cTn id="36" dur="500"/>
+                                        <p:tgtEl>
+                                          <p:spTgt spid="50"/>
+                                        </p:tgtEl>
+                                      </p:cBhvr>
+                                    </p:animEffect>
+                                  </p:childTnLst>
+                                </p:cTn>
+                              </p:par>
+                              <p:par>
+                                <p:cTn id="37" presetID="10" presetClass="entr" presetSubtype="0" fill="hold" grpId="0" nodeType="withEffect">
+                                  <p:stCondLst>
+                                    <p:cond delay="0"/>
+                                  </p:stCondLst>
+                                  <p:childTnLst>
+                                    <p:set>
+                                      <p:cBhvr>
+                                        <p:cTn id="38" dur="1" fill="hold">
+                                          <p:stCondLst>
+                                            <p:cond delay="0"/>
+                                          </p:stCondLst>
+                                        </p:cTn>
+                                        <p:tgtEl>
+                                          <p:spTgt spid="49"/>
+                                        </p:tgtEl>
+                                        <p:attrNameLst>
+                                          <p:attrName>style.visibility</p:attrName>
+                                        </p:attrNameLst>
+                                      </p:cBhvr>
+                                      <p:to>
+                                        <p:strVal val="visible"/>
+                                      </p:to>
+                                    </p:set>
+                                    <p:animEffect transition="in" filter="fade">
+                                      <p:cBhvr>
+                                        <p:cTn id="39" dur="500"/>
+                                        <p:tgtEl>
+                                          <p:spTgt spid="49"/>
+                                        </p:tgtEl>
+                                      </p:cBhvr>
+                                    </p:animEffect>
+                                  </p:childTnLst>
+                                </p:cTn>
+                              </p:par>
+                              <p:par>
+                                <p:cTn id="40" presetID="10" presetClass="entr" presetSubtype="0" fill="hold" grpId="0" nodeType="withEffect">
+                                  <p:stCondLst>
+                                    <p:cond delay="0"/>
+                                  </p:stCondLst>
+                                  <p:childTnLst>
+                                    <p:set>
+                                      <p:cBhvr>
+                                        <p:cTn id="41" dur="1" fill="hold">
+                                          <p:stCondLst>
+                                            <p:cond delay="0"/>
+                                          </p:stCondLst>
+                                        </p:cTn>
+                                        <p:tgtEl>
+                                          <p:spTgt spid="47"/>
+                                        </p:tgtEl>
+                                        <p:attrNameLst>
+                                          <p:attrName>style.visibility</p:attrName>
+                                        </p:attrNameLst>
+                                      </p:cBhvr>
+                                      <p:to>
+                                        <p:strVal val="visible"/>
+                                      </p:to>
+                                    </p:set>
+                                    <p:animEffect transition="in" filter="fade">
+                                      <p:cBhvr>
+                                        <p:cTn id="42" dur="500"/>
+                                        <p:tgtEl>
+                                          <p:spTgt spid="47"/>
+                                        </p:tgtEl>
+                                      </p:cBhvr>
+                                    </p:animEffect>
+                                  </p:childTnLst>
+                                </p:cTn>
+                              </p:par>
+                              <p:par>
+                                <p:cTn id="43" presetID="10" presetClass="entr" presetSubtype="0" fill="hold" grpId="0" nodeType="withEffect">
+                                  <p:stCondLst>
+                                    <p:cond delay="0"/>
+                                  </p:stCondLst>
+                                  <p:childTnLst>
+                                    <p:set>
+                                      <p:cBhvr>
+                                        <p:cTn id="44" dur="1" fill="hold">
+                                          <p:stCondLst>
+                                            <p:cond delay="0"/>
+                                          </p:stCondLst>
+                                        </p:cTn>
+                                        <p:tgtEl>
+                                          <p:spTgt spid="46"/>
+                                        </p:tgtEl>
+                                        <p:attrNameLst>
+                                          <p:attrName>style.visibility</p:attrName>
+                                        </p:attrNameLst>
+                                      </p:cBhvr>
+                                      <p:to>
+                                        <p:strVal val="visible"/>
+                                      </p:to>
+                                    </p:set>
+                                    <p:animEffect transition="in" filter="fade">
+                                      <p:cBhvr>
+                                        <p:cTn id="45" dur="500"/>
+                                        <p:tgtEl>
+                                          <p:spTgt spid="46"/>
+                                        </p:tgtEl>
+                                      </p:cBhvr>
+                                    </p:animEffect>
+                                  </p:childTnLst>
+                                </p:cTn>
+                              </p:par>
+                              <p:par>
+                                <p:cTn id="46" presetID="10" presetClass="entr" presetSubtype="0" fill="hold" grpId="0" nodeType="withEffect">
+                                  <p:stCondLst>
+                                    <p:cond delay="0"/>
+                                  </p:stCondLst>
+                                  <p:childTnLst>
+                                    <p:set>
+                                      <p:cBhvr>
+                                        <p:cTn id="47" dur="1" fill="hold">
+                                          <p:stCondLst>
+                                            <p:cond delay="0"/>
+                                          </p:stCondLst>
+                                        </p:cTn>
+                                        <p:tgtEl>
+                                          <p:spTgt spid="51"/>
+                                        </p:tgtEl>
+                                        <p:attrNameLst>
+                                          <p:attrName>style.visibility</p:attrName>
+                                        </p:attrNameLst>
+                                      </p:cBhvr>
+                                      <p:to>
+                                        <p:strVal val="visible"/>
+                                      </p:to>
+                                    </p:set>
+                                    <p:animEffect transition="in" filter="fade">
+                                      <p:cBhvr>
+                                        <p:cTn id="48" dur="500"/>
+                                        <p:tgtEl>
+                                          <p:spTgt spid="51"/>
+                                        </p:tgtEl>
+                                      </p:cBhvr>
+                                    </p:animEffect>
+                                  </p:childTnLst>
+                                </p:cTn>
+                              </p:par>
+                            </p:childTnLst>
+                          </p:cTn>
+                        </p:par>
+                      </p:childTnLst>
+                    </p:cTn>
+                  </p:par>
+                  <p:par>
+                    <p:cTn id="49" fill="hold">
+                      <p:stCondLst>
+                        <p:cond delay="indefinite"/>
+                      </p:stCondLst>
+                      <p:childTnLst>
+                        <p:par>
+                          <p:cTn id="50" fill="hold">
+                            <p:stCondLst>
+                              <p:cond delay="0"/>
+                            </p:stCondLst>
+                            <p:childTnLst>
+                              <p:par>
+                                <p:cTn id="51" presetID="10" presetClass="entr" presetSubtype="0" fill="hold" grpId="0" nodeType="clickEffect">
+                                  <p:stCondLst>
+                                    <p:cond delay="0"/>
+                                  </p:stCondLst>
+                                  <p:childTnLst>
+                                    <p:set>
+                                      <p:cBhvr>
+                                        <p:cTn id="52" dur="1" fill="hold">
+                                          <p:stCondLst>
+                                            <p:cond delay="0"/>
+                                          </p:stCondLst>
+                                        </p:cTn>
+                                        <p:tgtEl>
+                                          <p:spTgt spid="12"/>
+                                        </p:tgtEl>
+                                        <p:attrNameLst>
+                                          <p:attrName>style.visibility</p:attrName>
+                                        </p:attrNameLst>
+                                      </p:cBhvr>
+                                      <p:to>
+                                        <p:strVal val="visible"/>
+                                      </p:to>
+                                    </p:set>
+                                    <p:animEffect transition="in" filter="fade">
+                                      <p:cBhvr>
+                                        <p:cTn id="53" dur="500"/>
+                                        <p:tgtEl>
+                                          <p:spTgt spid="12"/>
+                                        </p:tgtEl>
+                                      </p:cBhvr>
+                                    </p:animEffect>
+                                  </p:childTnLst>
+                                </p:cTn>
+                              </p:par>
+                              <p:par>
+                                <p:cTn id="54" presetID="10" presetClass="entr" presetSubtype="0" fill="hold" grpId="0" nodeType="withEffect">
+                                  <p:stCondLst>
+                                    <p:cond delay="0"/>
+                                  </p:stCondLst>
+                                  <p:childTnLst>
+                                    <p:set>
+                                      <p:cBhvr>
+                                        <p:cTn id="55" dur="1" fill="hold">
+                                          <p:stCondLst>
+                                            <p:cond delay="0"/>
+                                          </p:stCondLst>
+                                        </p:cTn>
+                                        <p:tgtEl>
+                                          <p:spTgt spid="13"/>
+                                        </p:tgtEl>
+                                        <p:attrNameLst>
+                                          <p:attrName>style.visibility</p:attrName>
+                                        </p:attrNameLst>
+                                      </p:cBhvr>
+                                      <p:to>
+                                        <p:strVal val="visible"/>
+                                      </p:to>
+                                    </p:set>
+                                    <p:animEffect transition="in" filter="fade">
+                                      <p:cBhvr>
+                                        <p:cTn id="56" dur="500"/>
+                                        <p:tgtEl>
+                                          <p:spTgt spid="13"/>
+                                        </p:tgtEl>
+                                      </p:cBhvr>
+                                    </p:animEffect>
+                                  </p:childTnLst>
+                                </p:cTn>
+                              </p:par>
+                              <p:par>
+                                <p:cTn id="57" presetID="10" presetClass="entr" presetSubtype="0" fill="hold" grpId="0" nodeType="withEffect">
+                                  <p:stCondLst>
+                                    <p:cond delay="0"/>
+                                  </p:stCondLst>
+                                  <p:childTnLst>
+                                    <p:set>
+                                      <p:cBhvr>
+                                        <p:cTn id="58" dur="1" fill="hold">
+                                          <p:stCondLst>
+                                            <p:cond delay="0"/>
+                                          </p:stCondLst>
+                                        </p:cTn>
+                                        <p:tgtEl>
+                                          <p:spTgt spid="37"/>
+                                        </p:tgtEl>
+                                        <p:attrNameLst>
+                                          <p:attrName>style.visibility</p:attrName>
+                                        </p:attrNameLst>
+                                      </p:cBhvr>
+                                      <p:to>
+                                        <p:strVal val="visible"/>
+                                      </p:to>
+                                    </p:set>
+                                    <p:animEffect transition="in" filter="fade">
+                                      <p:cBhvr>
+                                        <p:cTn id="59" dur="500"/>
+                                        <p:tgtEl>
+                                          <p:spTgt spid="37"/>
+                                        </p:tgtEl>
+                                      </p:cBhvr>
+                                    </p:animEffect>
+                                  </p:childTnLst>
+                                </p:cTn>
+                              </p:par>
+                              <p:par>
+                                <p:cTn id="60" presetID="10" presetClass="entr" presetSubtype="0" fill="hold" grpId="0" nodeType="withEffect">
+                                  <p:stCondLst>
+                                    <p:cond delay="0"/>
+                                  </p:stCondLst>
+                                  <p:childTnLst>
+                                    <p:set>
+                                      <p:cBhvr>
+                                        <p:cTn id="61" dur="1" fill="hold">
+                                          <p:stCondLst>
+                                            <p:cond delay="0"/>
+                                          </p:stCondLst>
+                                        </p:cTn>
+                                        <p:tgtEl>
+                                          <p:spTgt spid="35"/>
+                                        </p:tgtEl>
+                                        <p:attrNameLst>
+                                          <p:attrName>style.visibility</p:attrName>
+                                        </p:attrNameLst>
+                                      </p:cBhvr>
+                                      <p:to>
+                                        <p:strVal val="visible"/>
+                                      </p:to>
+                                    </p:set>
+                                    <p:animEffect transition="in" filter="fade">
+                                      <p:cBhvr>
+                                        <p:cTn id="62" dur="500"/>
+                                        <p:tgtEl>
+                                          <p:spTgt spid="35"/>
+                                        </p:tgtEl>
+                                      </p:cBhvr>
+                                    </p:animEffect>
+                                  </p:childTnLst>
+                                </p:cTn>
+                              </p:par>
+                              <p:par>
+                                <p:cTn id="63" presetID="10" presetClass="entr" presetSubtype="0" fill="hold" grpId="0" nodeType="withEffect">
+                                  <p:stCondLst>
+                                    <p:cond delay="0"/>
+                                  </p:stCondLst>
+                                  <p:childTnLst>
+                                    <p:set>
+                                      <p:cBhvr>
+                                        <p:cTn id="64" dur="1" fill="hold">
+                                          <p:stCondLst>
+                                            <p:cond delay="0"/>
+                                          </p:stCondLst>
+                                        </p:cTn>
+                                        <p:tgtEl>
+                                          <p:spTgt spid="38"/>
+                                        </p:tgtEl>
+                                        <p:attrNameLst>
+                                          <p:attrName>style.visibility</p:attrName>
+                                        </p:attrNameLst>
+                                      </p:cBhvr>
+                                      <p:to>
+                                        <p:strVal val="visible"/>
+                                      </p:to>
+                                    </p:set>
+                                    <p:animEffect transition="in" filter="fade">
+                                      <p:cBhvr>
+                                        <p:cTn id="65" dur="500"/>
+                                        <p:tgtEl>
+                                          <p:spTgt spid="38"/>
+                                        </p:tgtEl>
+                                      </p:cBhvr>
+                                    </p:animEffect>
+                                  </p:childTnLst>
+                                </p:cTn>
+                              </p:par>
+                              <p:par>
+                                <p:cTn id="66" presetID="10" presetClass="entr" presetSubtype="0" fill="hold" grpId="0" nodeType="withEffect">
+                                  <p:stCondLst>
+                                    <p:cond delay="0"/>
+                                  </p:stCondLst>
+                                  <p:childTnLst>
+                                    <p:set>
+                                      <p:cBhvr>
+                                        <p:cTn id="67" dur="1" fill="hold">
+                                          <p:stCondLst>
+                                            <p:cond delay="0"/>
+                                          </p:stCondLst>
+                                        </p:cTn>
+                                        <p:tgtEl>
+                                          <p:spTgt spid="36"/>
+                                        </p:tgtEl>
+                                        <p:attrNameLst>
+                                          <p:attrName>style.visibility</p:attrName>
+                                        </p:attrNameLst>
+                                      </p:cBhvr>
+                                      <p:to>
+                                        <p:strVal val="visible"/>
+                                      </p:to>
+                                    </p:set>
+                                    <p:animEffect transition="in" filter="fade">
+                                      <p:cBhvr>
+                                        <p:cTn id="68" dur="500"/>
+                                        <p:tgtEl>
+                                          <p:spTgt spid="36"/>
+                                        </p:tgtEl>
+                                      </p:cBhvr>
+                                    </p:animEffect>
+                                  </p:childTnLst>
+                                </p:cTn>
+                              </p:par>
+                              <p:par>
+                                <p:cTn id="69" presetID="10" presetClass="entr" presetSubtype="0" fill="hold" grpId="0" nodeType="withEffect">
+                                  <p:stCondLst>
+                                    <p:cond delay="0"/>
+                                  </p:stCondLst>
+                                  <p:childTnLst>
+                                    <p:set>
+                                      <p:cBhvr>
+                                        <p:cTn id="70" dur="1" fill="hold">
+                                          <p:stCondLst>
+                                            <p:cond delay="0"/>
+                                          </p:stCondLst>
+                                        </p:cTn>
+                                        <p:tgtEl>
+                                          <p:spTgt spid="34"/>
+                                        </p:tgtEl>
+                                        <p:attrNameLst>
+                                          <p:attrName>style.visibility</p:attrName>
+                                        </p:attrNameLst>
+                                      </p:cBhvr>
+                                      <p:to>
+                                        <p:strVal val="visible"/>
+                                      </p:to>
+                                    </p:set>
+                                    <p:animEffect transition="in" filter="fade">
+                                      <p:cBhvr>
+                                        <p:cTn id="71" dur="500"/>
+                                        <p:tgtEl>
+                                          <p:spTgt spid="34"/>
+                                        </p:tgtEl>
+                                      </p:cBhvr>
+                                    </p:animEffect>
+                                  </p:childTnLst>
+                                </p:cTn>
+                              </p:par>
+                              <p:par>
+                                <p:cTn id="72" presetID="10" presetClass="entr" presetSubtype="0" fill="hold" grpId="0" nodeType="withEffect">
+                                  <p:stCondLst>
+                                    <p:cond delay="0"/>
+                                  </p:stCondLst>
+                                  <p:childTnLst>
+                                    <p:set>
+                                      <p:cBhvr>
+                                        <p:cTn id="73" dur="1" fill="hold">
+                                          <p:stCondLst>
+                                            <p:cond delay="0"/>
+                                          </p:stCondLst>
+                                        </p:cTn>
+                                        <p:tgtEl>
+                                          <p:spTgt spid="33"/>
+                                        </p:tgtEl>
+                                        <p:attrNameLst>
+                                          <p:attrName>style.visibility</p:attrName>
+                                        </p:attrNameLst>
+                                      </p:cBhvr>
+                                      <p:to>
+                                        <p:strVal val="visible"/>
+                                      </p:to>
+                                    </p:set>
+                                    <p:animEffect transition="in" filter="fade">
+                                      <p:cBhvr>
+                                        <p:cTn id="74" dur="500"/>
+                                        <p:tgtEl>
+                                          <p:spTgt spid="33"/>
+                                        </p:tgtEl>
+                                      </p:cBhvr>
+                                    </p:animEffect>
+                                  </p:childTnLst>
+                                </p:cTn>
+                              </p:par>
+                              <p:par>
+                                <p:cTn id="75" presetID="10" presetClass="entr" presetSubtype="0" fill="hold" grpId="0" nodeType="withEffect">
+                                  <p:stCondLst>
+                                    <p:cond delay="0"/>
+                                  </p:stCondLst>
+                                  <p:childTnLst>
+                                    <p:set>
+                                      <p:cBhvr>
+                                        <p:cTn id="76" dur="1" fill="hold">
+                                          <p:stCondLst>
+                                            <p:cond delay="0"/>
+                                          </p:stCondLst>
+                                        </p:cTn>
+                                        <p:tgtEl>
+                                          <p:spTgt spid="31"/>
+                                        </p:tgtEl>
+                                        <p:attrNameLst>
+                                          <p:attrName>style.visibility</p:attrName>
+                                        </p:attrNameLst>
+                                      </p:cBhvr>
+                                      <p:to>
+                                        <p:strVal val="visible"/>
+                                      </p:to>
+                                    </p:set>
+                                    <p:animEffect transition="in" filter="fade">
+                                      <p:cBhvr>
+                                        <p:cTn id="77" dur="500"/>
+                                        <p:tgtEl>
+                                          <p:spTgt spid="31"/>
+                                        </p:tgtEl>
+                                      </p:cBhvr>
+                                    </p:animEffect>
+                                  </p:childTnLst>
+                                </p:cTn>
+                              </p:par>
+                              <p:par>
+                                <p:cTn id="78" presetID="10" presetClass="entr" presetSubtype="0" fill="hold" grpId="0" nodeType="withEffect">
+                                  <p:stCondLst>
+                                    <p:cond delay="0"/>
+                                  </p:stCondLst>
+                                  <p:childTnLst>
+                                    <p:set>
+                                      <p:cBhvr>
+                                        <p:cTn id="79" dur="1" fill="hold">
+                                          <p:stCondLst>
+                                            <p:cond delay="0"/>
+                                          </p:stCondLst>
+                                        </p:cTn>
+                                        <p:tgtEl>
+                                          <p:spTgt spid="30"/>
+                                        </p:tgtEl>
+                                        <p:attrNameLst>
+                                          <p:attrName>style.visibility</p:attrName>
+                                        </p:attrNameLst>
+                                      </p:cBhvr>
+                                      <p:to>
+                                        <p:strVal val="visible"/>
+                                      </p:to>
+                                    </p:set>
+                                    <p:animEffect transition="in" filter="fade">
+                                      <p:cBhvr>
+                                        <p:cTn id="80" dur="500"/>
+                                        <p:tgtEl>
+                                          <p:spTgt spid="30"/>
+                                        </p:tgtEl>
+                                      </p:cBhvr>
+                                    </p:animEffect>
+                                  </p:childTnLst>
+                                </p:cTn>
+                              </p:par>
+                              <p:par>
+                                <p:cTn id="81" presetID="10" presetClass="entr" presetSubtype="0" fill="hold" grpId="0" nodeType="withEffect">
+                                  <p:stCondLst>
+                                    <p:cond delay="0"/>
+                                  </p:stCondLst>
+                                  <p:childTnLst>
+                                    <p:set>
+                                      <p:cBhvr>
+                                        <p:cTn id="82" dur="1" fill="hold">
+                                          <p:stCondLst>
+                                            <p:cond delay="0"/>
+                                          </p:stCondLst>
+                                        </p:cTn>
+                                        <p:tgtEl>
+                                          <p:spTgt spid="28"/>
+                                        </p:tgtEl>
+                                        <p:attrNameLst>
+                                          <p:attrName>style.visibility</p:attrName>
+                                        </p:attrNameLst>
+                                      </p:cBhvr>
+                                      <p:to>
+                                        <p:strVal val="visible"/>
+                                      </p:to>
+                                    </p:set>
+                                    <p:animEffect transition="in" filter="fade">
+                                      <p:cBhvr>
+                                        <p:cTn id="83" dur="500"/>
+                                        <p:tgtEl>
+                                          <p:spTgt spid="28"/>
+                                        </p:tgtEl>
+                                      </p:cBhvr>
+                                    </p:animEffect>
+                                  </p:childTnLst>
+                                </p:cTn>
+                              </p:par>
+                              <p:par>
+                                <p:cTn id="84" presetID="10" presetClass="entr" presetSubtype="0" fill="hold" grpId="0" nodeType="withEffect">
+                                  <p:stCondLst>
+                                    <p:cond delay="0"/>
+                                  </p:stCondLst>
+                                  <p:childTnLst>
+                                    <p:set>
+                                      <p:cBhvr>
+                                        <p:cTn id="85" dur="1" fill="hold">
+                                          <p:stCondLst>
+                                            <p:cond delay="0"/>
+                                          </p:stCondLst>
+                                        </p:cTn>
+                                        <p:tgtEl>
+                                          <p:spTgt spid="29"/>
+                                        </p:tgtEl>
+                                        <p:attrNameLst>
+                                          <p:attrName>style.visibility</p:attrName>
+                                        </p:attrNameLst>
+                                      </p:cBhvr>
+                                      <p:to>
+                                        <p:strVal val="visible"/>
+                                      </p:to>
+                                    </p:set>
+                                    <p:animEffect transition="in" filter="fade">
+                                      <p:cBhvr>
+                                        <p:cTn id="86" dur="500"/>
+                                        <p:tgtEl>
+                                          <p:spTgt spid="29"/>
+                                        </p:tgtEl>
+                                      </p:cBhvr>
+                                    </p:animEffect>
+                                  </p:childTnLst>
+                                </p:cTn>
+                              </p:par>
+                              <p:par>
+                                <p:cTn id="87" presetID="10" presetClass="entr" presetSubtype="0" fill="hold" grpId="0" nodeType="withEffect">
+                                  <p:stCondLst>
+                                    <p:cond delay="0"/>
+                                  </p:stCondLst>
+                                  <p:childTnLst>
+                                    <p:set>
+                                      <p:cBhvr>
+                                        <p:cTn id="88" dur="1" fill="hold">
+                                          <p:stCondLst>
+                                            <p:cond delay="0"/>
+                                          </p:stCondLst>
+                                        </p:cTn>
+                                        <p:tgtEl>
+                                          <p:spTgt spid="27"/>
+                                        </p:tgtEl>
+                                        <p:attrNameLst>
+                                          <p:attrName>style.visibility</p:attrName>
+                                        </p:attrNameLst>
+                                      </p:cBhvr>
+                                      <p:to>
+                                        <p:strVal val="visible"/>
+                                      </p:to>
+                                    </p:set>
+                                    <p:animEffect transition="in" filter="fade">
+                                      <p:cBhvr>
+                                        <p:cTn id="89" dur="500"/>
+                                        <p:tgtEl>
+                                          <p:spTgt spid="27"/>
+                                        </p:tgtEl>
+                                      </p:cBhvr>
+                                    </p:animEffect>
+                                  </p:childTnLst>
+                                </p:cTn>
+                              </p:par>
+                              <p:par>
+                                <p:cTn id="90" presetID="10" presetClass="entr" presetSubtype="0" fill="hold" grpId="0" nodeType="withEffect">
+                                  <p:stCondLst>
+                                    <p:cond delay="0"/>
+                                  </p:stCondLst>
+                                  <p:childTnLst>
+                                    <p:set>
+                                      <p:cBhvr>
+                                        <p:cTn id="91" dur="1" fill="hold">
+                                          <p:stCondLst>
+                                            <p:cond delay="0"/>
+                                          </p:stCondLst>
+                                        </p:cTn>
+                                        <p:tgtEl>
+                                          <p:spTgt spid="26"/>
+                                        </p:tgtEl>
+                                        <p:attrNameLst>
+                                          <p:attrName>style.visibility</p:attrName>
+                                        </p:attrNameLst>
+                                      </p:cBhvr>
+                                      <p:to>
+                                        <p:strVal val="visible"/>
+                                      </p:to>
+                                    </p:set>
+                                    <p:animEffect transition="in" filter="fade">
+                                      <p:cBhvr>
+                                        <p:cTn id="92" dur="500"/>
+                                        <p:tgtEl>
+                                          <p:spTgt spid="26"/>
+                                        </p:tgtEl>
+                                      </p:cBhvr>
+                                    </p:animEffect>
+                                  </p:childTnLst>
+                                </p:cTn>
+                              </p:par>
+                              <p:par>
+                                <p:cTn id="93" presetID="10" presetClass="entr" presetSubtype="0" fill="hold" grpId="0" nodeType="withEffect">
+                                  <p:stCondLst>
+                                    <p:cond delay="0"/>
+                                  </p:stCondLst>
+                                  <p:childTnLst>
+                                    <p:set>
+                                      <p:cBhvr>
+                                        <p:cTn id="94" dur="1" fill="hold">
+                                          <p:stCondLst>
+                                            <p:cond delay="0"/>
+                                          </p:stCondLst>
+                                        </p:cTn>
+                                        <p:tgtEl>
+                                          <p:spTgt spid="25"/>
+                                        </p:tgtEl>
+                                        <p:attrNameLst>
+                                          <p:attrName>style.visibility</p:attrName>
+                                        </p:attrNameLst>
+                                      </p:cBhvr>
+                                      <p:to>
+                                        <p:strVal val="visible"/>
+                                      </p:to>
+                                    </p:set>
+                                    <p:animEffect transition="in" filter="fade">
+                                      <p:cBhvr>
+                                        <p:cTn id="95" dur="500"/>
+                                        <p:tgtEl>
+                                          <p:spTgt spid="25"/>
+                                        </p:tgtEl>
+                                      </p:cBhvr>
+                                    </p:animEffect>
+                                  </p:childTnLst>
+                                </p:cTn>
+                              </p:par>
+                              <p:par>
+                                <p:cTn id="96" presetID="10" presetClass="entr" presetSubtype="0" fill="hold" grpId="0" nodeType="withEffect">
+                                  <p:stCondLst>
+                                    <p:cond delay="0"/>
+                                  </p:stCondLst>
+                                  <p:childTnLst>
+                                    <p:set>
+                                      <p:cBhvr>
+                                        <p:cTn id="97" dur="1" fill="hold">
+                                          <p:stCondLst>
+                                            <p:cond delay="0"/>
+                                          </p:stCondLst>
+                                        </p:cTn>
+                                        <p:tgtEl>
+                                          <p:spTgt spid="22"/>
+                                        </p:tgtEl>
+                                        <p:attrNameLst>
+                                          <p:attrName>style.visibility</p:attrName>
+                                        </p:attrNameLst>
+                                      </p:cBhvr>
+                                      <p:to>
+                                        <p:strVal val="visible"/>
+                                      </p:to>
+                                    </p:set>
+                                    <p:animEffect transition="in" filter="fade">
+                                      <p:cBhvr>
+                                        <p:cTn id="98" dur="500"/>
+                                        <p:tgtEl>
+                                          <p:spTgt spid="22"/>
+                                        </p:tgtEl>
+                                      </p:cBhvr>
+                                    </p:animEffect>
+                                  </p:childTnLst>
+                                </p:cTn>
+                              </p:par>
+                              <p:par>
+                                <p:cTn id="99" presetID="10" presetClass="entr" presetSubtype="0" fill="hold" grpId="0" nodeType="withEffect">
+                                  <p:stCondLst>
+                                    <p:cond delay="0"/>
+                                  </p:stCondLst>
+                                  <p:childTnLst>
+                                    <p:set>
+                                      <p:cBhvr>
+                                        <p:cTn id="100" dur="1" fill="hold">
+                                          <p:stCondLst>
+                                            <p:cond delay="0"/>
+                                          </p:stCondLst>
+                                        </p:cTn>
+                                        <p:tgtEl>
+                                          <p:spTgt spid="23"/>
+                                        </p:tgtEl>
+                                        <p:attrNameLst>
+                                          <p:attrName>style.visibility</p:attrName>
+                                        </p:attrNameLst>
+                                      </p:cBhvr>
+                                      <p:to>
+                                        <p:strVal val="visible"/>
+                                      </p:to>
+                                    </p:set>
+                                    <p:animEffect transition="in" filter="fade">
+                                      <p:cBhvr>
+                                        <p:cTn id="101" dur="500"/>
+                                        <p:tgtEl>
+                                          <p:spTgt spid="23"/>
+                                        </p:tgtEl>
+                                      </p:cBhvr>
+                                    </p:animEffect>
+                                  </p:childTnLst>
+                                </p:cTn>
+                              </p:par>
+                              <p:par>
+                                <p:cTn id="102" presetID="10" presetClass="entr" presetSubtype="0" fill="hold" grpId="0" nodeType="withEffect">
+                                  <p:stCondLst>
+                                    <p:cond delay="0"/>
+                                  </p:stCondLst>
+                                  <p:childTnLst>
+                                    <p:set>
+                                      <p:cBhvr>
+                                        <p:cTn id="103" dur="1" fill="hold">
+                                          <p:stCondLst>
+                                            <p:cond delay="0"/>
+                                          </p:stCondLst>
+                                        </p:cTn>
+                                        <p:tgtEl>
+                                          <p:spTgt spid="24"/>
+                                        </p:tgtEl>
+                                        <p:attrNameLst>
+                                          <p:attrName>style.visibility</p:attrName>
+                                        </p:attrNameLst>
+                                      </p:cBhvr>
+                                      <p:to>
+                                        <p:strVal val="visible"/>
+                                      </p:to>
+                                    </p:set>
+                                    <p:animEffect transition="in" filter="fade">
+                                      <p:cBhvr>
+                                        <p:cTn id="104" dur="500"/>
+                                        <p:tgtEl>
+                                          <p:spTgt spid="24"/>
+                                        </p:tgtEl>
+                                      </p:cBhvr>
+                                    </p:animEffect>
+                                  </p:childTnLst>
+                                </p:cTn>
+                              </p:par>
+                              <p:par>
+                                <p:cTn id="105" presetID="10" presetClass="entr" presetSubtype="0" fill="hold" grpId="0" nodeType="withEffect">
+                                  <p:stCondLst>
+                                    <p:cond delay="0"/>
+                                  </p:stCondLst>
+                                  <p:childTnLst>
+                                    <p:set>
+                                      <p:cBhvr>
+                                        <p:cTn id="106" dur="1" fill="hold">
+                                          <p:stCondLst>
+                                            <p:cond delay="0"/>
+                                          </p:stCondLst>
+                                        </p:cTn>
+                                        <p:tgtEl>
+                                          <p:spTgt spid="21"/>
+                                        </p:tgtEl>
+                                        <p:attrNameLst>
+                                          <p:attrName>style.visibility</p:attrName>
+                                        </p:attrNameLst>
+                                      </p:cBhvr>
+                                      <p:to>
+                                        <p:strVal val="visible"/>
+                                      </p:to>
+                                    </p:set>
+                                    <p:animEffect transition="in" filter="fade">
+                                      <p:cBhvr>
+                                        <p:cTn id="107" dur="500"/>
+                                        <p:tgtEl>
+                                          <p:spTgt spid="21"/>
+                                        </p:tgtEl>
+                                      </p:cBhvr>
+                                    </p:animEffect>
+                                  </p:childTnLst>
+                                </p:cTn>
+                              </p:par>
+                              <p:par>
+                                <p:cTn id="108" presetID="10" presetClass="entr" presetSubtype="0" fill="hold" grpId="0" nodeType="withEffect">
+                                  <p:stCondLst>
+                                    <p:cond delay="0"/>
+                                  </p:stCondLst>
+                                  <p:childTnLst>
+                                    <p:set>
+                                      <p:cBhvr>
+                                        <p:cTn id="109" dur="1" fill="hold">
+                                          <p:stCondLst>
+                                            <p:cond delay="0"/>
+                                          </p:stCondLst>
+                                        </p:cTn>
+                                        <p:tgtEl>
+                                          <p:spTgt spid="20"/>
+                                        </p:tgtEl>
+                                        <p:attrNameLst>
+                                          <p:attrName>style.visibility</p:attrName>
+                                        </p:attrNameLst>
+                                      </p:cBhvr>
+                                      <p:to>
+                                        <p:strVal val="visible"/>
+                                      </p:to>
+                                    </p:set>
+                                    <p:animEffect transition="in" filter="fade">
+                                      <p:cBhvr>
+                                        <p:cTn id="110" dur="500"/>
+                                        <p:tgtEl>
+                                          <p:spTgt spid="20"/>
+                                        </p:tgtEl>
+                                      </p:cBhvr>
+                                    </p:animEffect>
+                                  </p:childTnLst>
+                                </p:cTn>
+                              </p:par>
+                              <p:par>
+                                <p:cTn id="111" presetID="10" presetClass="entr" presetSubtype="0" fill="hold" grpId="0" nodeType="withEffect">
+                                  <p:stCondLst>
+                                    <p:cond delay="0"/>
+                                  </p:stCondLst>
+                                  <p:childTnLst>
+                                    <p:set>
+                                      <p:cBhvr>
+                                        <p:cTn id="112" dur="1" fill="hold">
+                                          <p:stCondLst>
+                                            <p:cond delay="0"/>
+                                          </p:stCondLst>
+                                        </p:cTn>
+                                        <p:tgtEl>
+                                          <p:spTgt spid="19"/>
+                                        </p:tgtEl>
+                                        <p:attrNameLst>
+                                          <p:attrName>style.visibility</p:attrName>
+                                        </p:attrNameLst>
+                                      </p:cBhvr>
+                                      <p:to>
+                                        <p:strVal val="visible"/>
+                                      </p:to>
+                                    </p:set>
+                                    <p:animEffect transition="in" filter="fade">
+                                      <p:cBhvr>
+                                        <p:cTn id="113" dur="500"/>
+                                        <p:tgtEl>
+                                          <p:spTgt spid="19"/>
+                                        </p:tgtEl>
+                                      </p:cBhvr>
+                                    </p:animEffect>
+                                  </p:childTnLst>
+                                </p:cTn>
+                              </p:par>
+                              <p:par>
+                                <p:cTn id="114" presetID="10" presetClass="entr" presetSubtype="0" fill="hold" grpId="0" nodeType="withEffect">
+                                  <p:stCondLst>
+                                    <p:cond delay="0"/>
+                                  </p:stCondLst>
+                                  <p:childTnLst>
+                                    <p:set>
+                                      <p:cBhvr>
+                                        <p:cTn id="115" dur="1" fill="hold">
+                                          <p:stCondLst>
+                                            <p:cond delay="0"/>
+                                          </p:stCondLst>
+                                        </p:cTn>
+                                        <p:tgtEl>
+                                          <p:spTgt spid="18"/>
+                                        </p:tgtEl>
+                                        <p:attrNameLst>
+                                          <p:attrName>style.visibility</p:attrName>
+                                        </p:attrNameLst>
+                                      </p:cBhvr>
+                                      <p:to>
+                                        <p:strVal val="visible"/>
+                                      </p:to>
+                                    </p:set>
+                                    <p:animEffect transition="in" filter="fade">
+                                      <p:cBhvr>
+                                        <p:cTn id="116" dur="500"/>
+                                        <p:tgtEl>
+                                          <p:spTgt spid="18"/>
+                                        </p:tgtEl>
+                                      </p:cBhvr>
+                                    </p:animEffect>
+                                  </p:childTnLst>
+                                </p:cTn>
+                              </p:par>
+                            </p:childTnLst>
+                          </p:cTn>
+                        </p:par>
+                      </p:childTnLst>
+                    </p:cTn>
+                  </p:par>
+                </p:childTnLst>
+              </p:cTn>
+              <p:prevCondLst>
+                <p:cond evt="onPrev" delay="0">
+                  <p:tgtEl>
+                    <p:sldTgt/>
+                  </p:tgtEl>
+                </p:cond>
+              </p:prevCondLst>
+              <p:nextCondLst>
+                <p:cond evt="onNext" delay="0">
+                  <p:tgtEl>
+                    <p:sldTgt/>
+                  </p:tgtEl>
+                </p:cond>
+              </p:nextCondLst>
+            </p:seq>
+          </p:childTnLst>
+        </p:cTn>
+      </p:par>
+    </p:tnLst>
+    <p:bldLst>
+      <p:bldP spid="8" grpId="0" animBg="1"/>
+      <p:bldP spid="9" grpId="0"/>
+      <p:bldP spid="12" grpId="0" animBg="1"/>
+      <p:bldP spid="13" grpId="0"/>
+      <p:bldP spid="18" grpId="0" animBg="1"/>
+      <p:bldP spid="19" grpId="0" animBg="1"/>
+      <p:bldP spid="20" grpId="0" animBg="1"/>
+      <p:bldP spid="21" grpId="0" animBg="1"/>
+      <p:bldP spid="22" grpId="0" animBg="1"/>
+      <p:bldP spid="23" grpId="0" animBg="1"/>
+      <p:bldP spid="24" grpId="0" animBg="1"/>
+      <p:bldP spid="25" grpId="0" animBg="1"/>
+      <p:bldP spid="26" grpId="0" animBg="1"/>
+      <p:bldP spid="27" grpId="0" animBg="1"/>
+      <p:bldP spid="28" grpId="0" animBg="1"/>
+      <p:bldP spid="29" grpId="0" animBg="1"/>
+      <p:bldP spid="30" grpId="0" animBg="1"/>
+      <p:bldP spid="31" grpId="0" animBg="1"/>
+      <p:bldP spid="33" grpId="0" animBg="1"/>
+      <p:bldP spid="34" grpId="0" animBg="1"/>
+      <p:bldP spid="35" grpId="0" animBg="1"/>
+      <p:bldP spid="36" grpId="0" animBg="1"/>
+      <p:bldP spid="37" grpId="0" animBg="1"/>
+      <p:bldP spid="38" grpId="0" animBg="1"/>
+      <p:bldP spid="39" grpId="0" animBg="1"/>
+      <p:bldP spid="40" grpId="0"/>
+      <p:bldP spid="41" grpId="0" animBg="1"/>
+      <p:bldP spid="42" grpId="0" animBg="1"/>
+      <p:bldP spid="44" grpId="0" animBg="1"/>
+      <p:bldP spid="46" grpId="0" animBg="1"/>
+      <p:bldP spid="47" grpId="0" animBg="1"/>
+      <p:bldP spid="49" grpId="0" animBg="1"/>
+      <p:bldP spid="50" grpId="0" animBg="1"/>
+      <p:bldP spid="51" grpId="0" animBg="1"/>
+    </p:bldLst>
+  </p:timing>
+</p:sld>
+</file>
+
+<file path=ppt/slides/slide5.xml><?xml version="1.0" encoding="utf-8"?>
+<p:sld xmlns:a="http://schemas.openxmlformats.org/drawingml/2006/main" xmlns:r="http://schemas.openxmlformats.org/officeDocument/2006/relationships" xmlns:p="http://schemas.openxmlformats.org/presentationml/2006/main">
+  <p:cSld>
+    <p:spTree>
+      <p:nvGrpSpPr>
+        <p:cNvPr id="1" name=""/>
+        <p:cNvGrpSpPr/>
+        <p:nvPr/>
+      </p:nvGrpSpPr>
+      <p:grpSpPr>
+        <a:xfrm>
+          <a:off x="0" y="0"/>
+          <a:ext cx="0" cy="0"/>
+          <a:chOff x="0" y="0"/>
+          <a:chExt cx="0" cy="0"/>
+        </a:xfrm>
+      </p:grpSpPr>
       <p:pic>
         <p:nvPicPr>
           <p:cNvPr id="65" name="Imagem 64" descr="Uma imagem com texto, captura de ecrã, número, Tipo de letra&#10;&#10;Descrição gerada automaticamente">
@@ -7648,7 +11409,7 @@
           <a:p>
             <a:fld id="{481F3994-FD13-4080-B2C3-D9668E3E8446}" type="slidenum">
               <a:rPr lang="en-US" smtClean="0"/>
-              <a:t>4</a:t>
+              <a:t>5</a:t>
             </a:fld>
             <a:endParaRPr lang="en-US"/>
           </a:p>
@@ -7719,7 +11480,7 @@
                 </a:solidFill>
                 <a:cs typeface="Arial" panose="020B0604020202020204" pitchFamily="34" charset="0"/>
               </a:rPr>
-              <a:t>02 - Inferência</a:t>
+              <a:t>03 - Inferência</a:t>
             </a:r>
             <a:endParaRPr lang="en-US" sz="3600" b="1" dirty="0">
               <a:solidFill>
@@ -11967,7 +15728,7 @@
 </p:sld>
 </file>
 
-<file path=ppt/slides/slide5.xml><?xml version="1.0" encoding="utf-8"?>
+<file path=ppt/slides/slide6.xml><?xml version="1.0" encoding="utf-8"?>
 <p:sld xmlns:a="http://schemas.openxmlformats.org/drawingml/2006/main" xmlns:r="http://schemas.openxmlformats.org/officeDocument/2006/relationships" xmlns:p="http://schemas.openxmlformats.org/presentationml/2006/main">
   <p:cSld>
     <p:spTree>
@@ -11984,70 +15745,12 @@
           <a:chExt cx="0" cy="0"/>
         </a:xfrm>
       </p:grpSpPr>
-      <p:sp>
-        <p:nvSpPr>
-          <p:cNvPr id="4" name="Marcador de Posição do Rodapé 3">
-            <a:extLst>
-              <a:ext uri="{FF2B5EF4-FFF2-40B4-BE49-F238E27FC236}">
-                <a16:creationId xmlns:a16="http://schemas.microsoft.com/office/drawing/2014/main" id="{CEDC0EE5-B834-CE99-4228-254ECEAF057D}"/>
-              </a:ext>
-            </a:extLst>
-          </p:cNvPr>
-          <p:cNvSpPr>
-            <a:spLocks noGrp="1"/>
-          </p:cNvSpPr>
-          <p:nvPr>
-            <p:ph type="ftr" sz="quarter" idx="11"/>
-          </p:nvPr>
-        </p:nvSpPr>
-        <p:spPr/>
-        <p:txBody>
-          <a:bodyPr/>
-          <a:lstStyle/>
-          <a:p>
-            <a:r>
-              <a:rPr lang="pt-BR"/>
-              <a:t>Gonçalo Bárias (103124), Raquel Braunshweig (102624)</a:t>
-            </a:r>
-            <a:endParaRPr lang="en-US"/>
-          </a:p>
-        </p:txBody>
-      </p:sp>
-      <p:sp>
-        <p:nvSpPr>
-          <p:cNvPr id="5" name="Marcador de Posição do Número do Diapositivo 4">
-            <a:extLst>
-              <a:ext uri="{FF2B5EF4-FFF2-40B4-BE49-F238E27FC236}">
-                <a16:creationId xmlns:a16="http://schemas.microsoft.com/office/drawing/2014/main" id="{A0C24364-73E3-8F69-9CEB-3C120CAEF84F}"/>
-              </a:ext>
-            </a:extLst>
-          </p:cNvPr>
-          <p:cNvSpPr>
-            <a:spLocks noGrp="1"/>
-          </p:cNvSpPr>
-          <p:nvPr>
-            <p:ph type="sldNum" sz="quarter" idx="12"/>
-          </p:nvPr>
-        </p:nvSpPr>
-        <p:spPr/>
-        <p:txBody>
-          <a:bodyPr/>
-          <a:lstStyle/>
-          <a:p>
-            <a:fld id="{481F3994-FD13-4080-B2C3-D9668E3E8446}" type="slidenum">
-              <a:rPr lang="en-US" smtClean="0"/>
-              <a:t>5</a:t>
-            </a:fld>
-            <a:endParaRPr lang="en-US"/>
-          </a:p>
-        </p:txBody>
-      </p:sp>
       <p:pic>
         <p:nvPicPr>
-          <p:cNvPr id="8" name="Imagem 7">
-            <a:extLst>
-              <a:ext uri="{FF2B5EF4-FFF2-40B4-BE49-F238E27FC236}">
-                <a16:creationId xmlns:a16="http://schemas.microsoft.com/office/drawing/2014/main" id="{5015DCE6-8E5B-374B-879B-D7DACBE3A781}"/>
+          <p:cNvPr id="7" name="Imagem 6">
+            <a:extLst>
+              <a:ext uri="{FF2B5EF4-FFF2-40B4-BE49-F238E27FC236}">
+                <a16:creationId xmlns:a16="http://schemas.microsoft.com/office/drawing/2014/main" id="{9952AC0A-6A25-428C-DEBF-A59B09F68B24}"/>
               </a:ext>
             </a:extLst>
           </p:cNvPr>
@@ -12064,8 +15767,8 @@
         </p:blipFill>
         <p:spPr>
           <a:xfrm>
-            <a:off x="161925" y="95194"/>
-            <a:ext cx="1657581" cy="800212"/>
+            <a:off x="6762918" y="2608647"/>
+            <a:ext cx="619211" cy="628738"/>
           </a:xfrm>
           <a:prstGeom prst="rect">
             <a:avLst/>
@@ -12074,56 +15777,68 @@
       </p:pic>
       <p:sp>
         <p:nvSpPr>
-          <p:cNvPr id="9" name="CaixaDeTexto 8">
-            <a:extLst>
-              <a:ext uri="{FF2B5EF4-FFF2-40B4-BE49-F238E27FC236}">
-                <a16:creationId xmlns:a16="http://schemas.microsoft.com/office/drawing/2014/main" id="{BE4E697F-F396-A43D-DFD9-DDF66AC4F7E1}"/>
-              </a:ext>
-            </a:extLst>
-          </p:cNvPr>
-          <p:cNvSpPr txBox="1"/>
-          <p:nvPr/>
-        </p:nvSpPr>
-        <p:spPr>
-          <a:xfrm>
-            <a:off x="552449" y="1047750"/>
-            <a:ext cx="6556210" cy="646331"/>
-          </a:xfrm>
-          <a:prstGeom prst="rect">
-            <a:avLst/>
-          </a:prstGeom>
-          <a:noFill/>
-        </p:spPr>
-        <p:txBody>
-          <a:bodyPr wrap="square" rtlCol="0">
-            <a:spAutoFit/>
-          </a:bodyPr>
+          <p:cNvPr id="4" name="Marcador de Posição do Rodapé 3">
+            <a:extLst>
+              <a:ext uri="{FF2B5EF4-FFF2-40B4-BE49-F238E27FC236}">
+                <a16:creationId xmlns:a16="http://schemas.microsoft.com/office/drawing/2014/main" id="{CEDC0EE5-B834-CE99-4228-254ECEAF057D}"/>
+              </a:ext>
+            </a:extLst>
+          </p:cNvPr>
+          <p:cNvSpPr>
+            <a:spLocks noGrp="1"/>
+          </p:cNvSpPr>
+          <p:nvPr>
+            <p:ph type="ftr" sz="quarter" idx="11"/>
+          </p:nvPr>
+        </p:nvSpPr>
+        <p:spPr/>
+        <p:txBody>
+          <a:bodyPr/>
           <a:lstStyle/>
           <a:p>
             <a:r>
-              <a:rPr lang="pt-PT" sz="3600" b="1" dirty="0">
-                <a:solidFill>
-                  <a:srgbClr val="009BDE"/>
-                </a:solidFill>
-                <a:cs typeface="Arial" panose="020B0604020202020204" pitchFamily="34" charset="0"/>
-              </a:rPr>
-              <a:t>03 – Isolar e encontrar peça</a:t>
-            </a:r>
-            <a:endParaRPr lang="en-US" sz="3600" b="1" dirty="0">
-              <a:solidFill>
-                <a:srgbClr val="009BDE"/>
-              </a:solidFill>
-              <a:cs typeface="Arial" panose="020B0604020202020204" pitchFamily="34" charset="0"/>
-            </a:endParaRPr>
+              <a:rPr lang="pt-BR"/>
+              <a:t>Gonçalo Bárias (103124), Raquel Braunshweig (102624)</a:t>
+            </a:r>
+            <a:endParaRPr lang="en-US"/>
+          </a:p>
+        </p:txBody>
+      </p:sp>
+      <p:sp>
+        <p:nvSpPr>
+          <p:cNvPr id="5" name="Marcador de Posição do Número do Diapositivo 4">
+            <a:extLst>
+              <a:ext uri="{FF2B5EF4-FFF2-40B4-BE49-F238E27FC236}">
+                <a16:creationId xmlns:a16="http://schemas.microsoft.com/office/drawing/2014/main" id="{A0C24364-73E3-8F69-9CEB-3C120CAEF84F}"/>
+              </a:ext>
+            </a:extLst>
+          </p:cNvPr>
+          <p:cNvSpPr>
+            <a:spLocks noGrp="1"/>
+          </p:cNvSpPr>
+          <p:nvPr>
+            <p:ph type="sldNum" sz="quarter" idx="12"/>
+          </p:nvPr>
+        </p:nvSpPr>
+        <p:spPr/>
+        <p:txBody>
+          <a:bodyPr/>
+          <a:lstStyle/>
+          <a:p>
+            <a:fld id="{481F3994-FD13-4080-B2C3-D9668E3E8446}" type="slidenum">
+              <a:rPr lang="en-US" smtClean="0"/>
+              <a:t>6</a:t>
+            </a:fld>
+            <a:endParaRPr lang="en-US"/>
           </a:p>
         </p:txBody>
       </p:sp>
       <p:pic>
         <p:nvPicPr>
-          <p:cNvPr id="3" name="Imagem 2">
-            <a:extLst>
-              <a:ext uri="{FF2B5EF4-FFF2-40B4-BE49-F238E27FC236}">
-                <a16:creationId xmlns:a16="http://schemas.microsoft.com/office/drawing/2014/main" id="{0DD8E3EB-9818-E460-043B-1223288FE967}"/>
+          <p:cNvPr id="8" name="Imagem 7">
+            <a:extLst>
+              <a:ext uri="{FF2B5EF4-FFF2-40B4-BE49-F238E27FC236}">
+                <a16:creationId xmlns:a16="http://schemas.microsoft.com/office/drawing/2014/main" id="{5015DCE6-8E5B-374B-879B-D7DACBE3A781}"/>
               </a:ext>
             </a:extLst>
           </p:cNvPr>
@@ -12134,6 +15849,82 @@
         </p:nvPicPr>
         <p:blipFill>
           <a:blip r:embed="rId4"/>
+          <a:stretch>
+            <a:fillRect/>
+          </a:stretch>
+        </p:blipFill>
+        <p:spPr>
+          <a:xfrm>
+            <a:off x="161925" y="95194"/>
+            <a:ext cx="1657581" cy="800212"/>
+          </a:xfrm>
+          <a:prstGeom prst="rect">
+            <a:avLst/>
+          </a:prstGeom>
+        </p:spPr>
+      </p:pic>
+      <p:sp>
+        <p:nvSpPr>
+          <p:cNvPr id="9" name="CaixaDeTexto 8">
+            <a:extLst>
+              <a:ext uri="{FF2B5EF4-FFF2-40B4-BE49-F238E27FC236}">
+                <a16:creationId xmlns:a16="http://schemas.microsoft.com/office/drawing/2014/main" id="{BE4E697F-F396-A43D-DFD9-DDF66AC4F7E1}"/>
+              </a:ext>
+            </a:extLst>
+          </p:cNvPr>
+          <p:cNvSpPr txBox="1"/>
+          <p:nvPr/>
+        </p:nvSpPr>
+        <p:spPr>
+          <a:xfrm>
+            <a:off x="552449" y="1047750"/>
+            <a:ext cx="6556210" cy="646331"/>
+          </a:xfrm>
+          <a:prstGeom prst="rect">
+            <a:avLst/>
+          </a:prstGeom>
+          <a:noFill/>
+        </p:spPr>
+        <p:txBody>
+          <a:bodyPr wrap="square" rtlCol="0">
+            <a:spAutoFit/>
+          </a:bodyPr>
+          <a:lstStyle/>
+          <a:p>
+            <a:r>
+              <a:rPr lang="pt-PT" sz="3600" b="1" dirty="0">
+                <a:solidFill>
+                  <a:srgbClr val="009BDE"/>
+                </a:solidFill>
+                <a:cs typeface="Arial" panose="020B0604020202020204" pitchFamily="34" charset="0"/>
+              </a:rPr>
+              <a:t>04 – Isolar e encontrar peça</a:t>
+            </a:r>
+            <a:endParaRPr lang="en-US" sz="3600" b="1" dirty="0">
+              <a:solidFill>
+                <a:srgbClr val="009BDE"/>
+              </a:solidFill>
+              <a:cs typeface="Arial" panose="020B0604020202020204" pitchFamily="34" charset="0"/>
+            </a:endParaRPr>
+          </a:p>
+        </p:txBody>
+      </p:sp>
+      <p:pic>
+        <p:nvPicPr>
+          <p:cNvPr id="3" name="Imagem 2">
+            <a:extLst>
+              <a:ext uri="{FF2B5EF4-FFF2-40B4-BE49-F238E27FC236}">
+                <a16:creationId xmlns:a16="http://schemas.microsoft.com/office/drawing/2014/main" id="{0DD8E3EB-9818-E460-043B-1223288FE967}"/>
+              </a:ext>
+            </a:extLst>
+          </p:cNvPr>
+          <p:cNvPicPr>
+            <a:picLocks noChangeAspect="1"/>
+          </p:cNvPicPr>
+          <p:nvPr/>
+        </p:nvPicPr>
+        <p:blipFill>
+          <a:blip r:embed="rId5"/>
           <a:stretch>
             <a:fillRect/>
           </a:stretch>
@@ -13195,7 +16986,7 @@
           <p:nvPr/>
         </p:nvPicPr>
         <p:blipFill>
-          <a:blip r:embed="rId5"/>
+          <a:blip r:embed="rId6"/>
           <a:stretch>
             <a:fillRect/>
           </a:stretch>
@@ -13657,36 +17448,6 @@
           </a:p>
         </p:txBody>
       </p:sp>
-      <p:pic>
-        <p:nvPicPr>
-          <p:cNvPr id="59" name="Imagem 58">
-            <a:extLst>
-              <a:ext uri="{FF2B5EF4-FFF2-40B4-BE49-F238E27FC236}">
-                <a16:creationId xmlns:a16="http://schemas.microsoft.com/office/drawing/2014/main" id="{CE4B6877-B262-2CE5-53F1-DA2A77CBFB98}"/>
-              </a:ext>
-            </a:extLst>
-          </p:cNvPr>
-          <p:cNvPicPr>
-            <a:picLocks noChangeAspect="1"/>
-          </p:cNvPicPr>
-          <p:nvPr/>
-        </p:nvPicPr>
-        <p:blipFill>
-          <a:blip r:embed="rId6"/>
-          <a:stretch>
-            <a:fillRect/>
-          </a:stretch>
-        </p:blipFill>
-        <p:spPr>
-          <a:xfrm>
-            <a:off x="6777521" y="2600459"/>
-            <a:ext cx="645854" cy="656989"/>
-          </a:xfrm>
-          <a:prstGeom prst="rect">
-            <a:avLst/>
-          </a:prstGeom>
-        </p:spPr>
-      </p:pic>
       <p:sp>
         <p:nvSpPr>
           <p:cNvPr id="60" name="Oval 59">
@@ -13701,7 +17462,7 @@
         </p:nvSpPr>
         <p:spPr>
           <a:xfrm>
-            <a:off x="6973421" y="2600459"/>
+            <a:off x="6938921" y="3010062"/>
             <a:ext cx="212960" cy="219792"/>
           </a:xfrm>
           <a:prstGeom prst="ellipse">
@@ -13787,36 +17548,6 @@
           </a:fontRef>
         </p:style>
       </p:cxnSp>
-      <p:pic>
-        <p:nvPicPr>
-          <p:cNvPr id="66" name="Imagem 65">
-            <a:extLst>
-              <a:ext uri="{FF2B5EF4-FFF2-40B4-BE49-F238E27FC236}">
-                <a16:creationId xmlns:a16="http://schemas.microsoft.com/office/drawing/2014/main" id="{B6ADC442-BD40-31C7-BB42-DFD649D5FA0F}"/>
-              </a:ext>
-            </a:extLst>
-          </p:cNvPr>
-          <p:cNvPicPr>
-            <a:picLocks noChangeAspect="1"/>
-          </p:cNvPicPr>
-          <p:nvPr/>
-        </p:nvPicPr>
-        <p:blipFill>
-          <a:blip r:embed="rId7"/>
-          <a:stretch>
-            <a:fillRect/>
-          </a:stretch>
-        </p:blipFill>
-        <p:spPr>
-          <a:xfrm>
-            <a:off x="9412090" y="2565389"/>
-            <a:ext cx="695421" cy="706638"/>
-          </a:xfrm>
-          <a:prstGeom prst="rect">
-            <a:avLst/>
-          </a:prstGeom>
-        </p:spPr>
-      </p:pic>
       <p:sp>
         <p:nvSpPr>
           <p:cNvPr id="67" name="CaixaDeTexto 66">
@@ -14138,6 +17869,35 @@
           </a:p>
         </p:txBody>
       </p:sp>
+      <p:pic>
+        <p:nvPicPr>
+          <p:cNvPr id="18" name="Imagem 17">
+            <a:extLst>
+              <a:ext uri="{FF2B5EF4-FFF2-40B4-BE49-F238E27FC236}">
+                <a16:creationId xmlns:a16="http://schemas.microsoft.com/office/drawing/2014/main" id="{A2D99E8D-E62A-1D14-2CBC-9047197647CC}"/>
+              </a:ext>
+            </a:extLst>
+          </p:cNvPr>
+          <p:cNvPicPr>
+            <a:picLocks noChangeAspect="1"/>
+          </p:cNvPicPr>
+          <p:nvPr/>
+        </p:nvPicPr>
+        <p:blipFill rotWithShape="1">
+          <a:blip r:embed="rId7"/>
+          <a:srcRect l="3829" t="11451" r="6107"/>
+          <a:stretch/>
+        </p:blipFill>
+        <p:spPr>
+          <a:xfrm>
+            <a:off x="9418947" y="2572971"/>
+            <a:ext cx="660648" cy="657963"/>
+          </a:xfrm>
+          <a:prstGeom prst="rect">
+            <a:avLst/>
+          </a:prstGeom>
+        </p:spPr>
+      </p:pic>
     </p:spTree>
     <p:extLst>
       <p:ext uri="{BB962C8B-B14F-4D97-AF65-F5344CB8AC3E}">
@@ -14462,7 +18222,7 @@
                                 </p:cTn>
                               </p:par>
                               <p:par>
-                                <p:cTn id="31" presetID="10" presetClass="entr" presetSubtype="0" fill="hold" nodeType="withEffect">
+                                <p:cTn id="31" presetID="10" presetClass="entr" presetSubtype="0" fill="hold" grpId="0" nodeType="withEffect">
                                   <p:stCondLst>
                                     <p:cond delay="0"/>
                                   </p:stCondLst>
@@ -14475,7 +18235,7 @@
                                           </p:stCondLst>
                                         </p:cTn>
                                         <p:tgtEl>
-                                          <p:spTgt spid="59"/>
+                                          <p:spTgt spid="60"/>
                                         </p:tgtEl>
                                         <p:attrNameLst>
                                           <p:attrName>style.visibility</p:attrName>
@@ -14489,7 +18249,7 @@
                                       <p:cBhvr>
                                         <p:cTn id="33" dur="500"/>
                                         <p:tgtEl>
-                                          <p:spTgt spid="59"/>
+                                          <p:spTgt spid="60"/>
                                         </p:tgtEl>
                                       </p:cBhvr>
                                     </p:animEffect>
@@ -14497,7 +18257,7 @@
                                 </p:cTn>
                               </p:par>
                               <p:par>
-                                <p:cTn id="34" presetID="10" presetClass="entr" presetSubtype="0" fill="hold" grpId="0" nodeType="withEffect">
+                                <p:cTn id="34" presetID="10" presetClass="entr" presetSubtype="0" fill="hold" nodeType="withEffect">
                                   <p:stCondLst>
                                     <p:cond delay="0"/>
                                   </p:stCondLst>
@@ -14510,7 +18270,7 @@
                                           </p:stCondLst>
                                         </p:cTn>
                                         <p:tgtEl>
-                                          <p:spTgt spid="60"/>
+                                          <p:spTgt spid="7"/>
                                         </p:tgtEl>
                                         <p:attrNameLst>
                                           <p:attrName>style.visibility</p:attrName>
@@ -14524,7 +18284,7 @@
                                       <p:cBhvr>
                                         <p:cTn id="36" dur="500"/>
                                         <p:tgtEl>
-                                          <p:spTgt spid="60"/>
+                                          <p:spTgt spid="7"/>
                                         </p:tgtEl>
                                       </p:cBhvr>
                                     </p:animEffect>
@@ -14668,7 +18428,7 @@
                                           </p:stCondLst>
                                         </p:cTn>
                                         <p:tgtEl>
-                                          <p:spTgt spid="66"/>
+                                          <p:spTgt spid="18"/>
                                         </p:tgtEl>
                                         <p:attrNameLst>
                                           <p:attrName>style.visibility</p:attrName>
@@ -14682,7 +18442,7 @@
                                       <p:cBhvr>
                                         <p:cTn id="50" dur="500"/>
                                         <p:tgtEl>
-                                          <p:spTgt spid="66"/>
+                                          <p:spTgt spid="18"/>
                                         </p:tgtEl>
                                       </p:cBhvr>
                                     </p:animEffect>
@@ -15393,7 +19153,7 @@
 </p:sld>
 </file>
 
-<file path=ppt/slides/slide6.xml><?xml version="1.0" encoding="utf-8"?>
+<file path=ppt/slides/slide7.xml><?xml version="1.0" encoding="utf-8"?>
 <p:sld xmlns:a="http://schemas.openxmlformats.org/drawingml/2006/main" xmlns:r="http://schemas.openxmlformats.org/officeDocument/2006/relationships" xmlns:p="http://schemas.openxmlformats.org/presentationml/2006/main">
   <p:cSld>
     <p:spTree>
@@ -15462,7 +19222,7 @@
           <a:p>
             <a:fld id="{481F3994-FD13-4080-B2C3-D9668E3E8446}" type="slidenum">
               <a:rPr lang="en-US" smtClean="0"/>
-              <a:t>6</a:t>
+              <a:t>7</a:t>
             </a:fld>
             <a:endParaRPr lang="en-US"/>
           </a:p>
@@ -15503,7 +19263,7 @@
                 </a:solidFill>
                 <a:cs typeface="Arial" panose="020B0604020202020204" pitchFamily="34" charset="0"/>
               </a:rPr>
-              <a:t>04 – Ações</a:t>
+              <a:t>05 – Ações</a:t>
             </a:r>
             <a:endParaRPr lang="en-US" sz="3600" b="1" dirty="0">
               <a:solidFill>
@@ -16604,7 +20364,7 @@
 </p:sld>
 </file>
 
-<file path=ppt/slides/slide7.xml><?xml version="1.0" encoding="utf-8"?>
+<file path=ppt/slides/slide8.xml><?xml version="1.0" encoding="utf-8"?>
 <p:sld xmlns:a="http://schemas.openxmlformats.org/drawingml/2006/main" xmlns:r="http://schemas.openxmlformats.org/officeDocument/2006/relationships" xmlns:p="http://schemas.openxmlformats.org/presentationml/2006/main">
   <p:cSld>
     <p:spTree>
@@ -16673,7 +20433,7 @@
           <a:p>
             <a:fld id="{481F3994-FD13-4080-B2C3-D9668E3E8446}" type="slidenum">
               <a:rPr lang="en-US" smtClean="0"/>
-              <a:t>7</a:t>
+              <a:t>8</a:t>
             </a:fld>
             <a:endParaRPr lang="en-US"/>
           </a:p>
@@ -16744,7 +20504,7 @@
                 </a:solidFill>
                 <a:cs typeface="Arial" panose="020B0604020202020204" pitchFamily="34" charset="0"/>
               </a:rPr>
-              <a:t>05 – Heurística</a:t>
+              <a:t>06 – Heurística</a:t>
             </a:r>
             <a:endParaRPr lang="en-US" sz="3600" b="1" dirty="0">
               <a:solidFill>
@@ -18313,7 +22073,7 @@
 </p:sld>
 </file>
 
-<file path=ppt/slides/slide8.xml><?xml version="1.0" encoding="utf-8"?>
+<file path=ppt/slides/slide9.xml><?xml version="1.0" encoding="utf-8"?>
 <p:sld xmlns:a="http://schemas.openxmlformats.org/drawingml/2006/main" xmlns:r="http://schemas.openxmlformats.org/officeDocument/2006/relationships" xmlns:p="http://schemas.openxmlformats.org/presentationml/2006/main">
   <p:cSld>
     <p:spTree>
@@ -18382,7 +22142,7 @@
           <a:p>
             <a:fld id="{481F3994-FD13-4080-B2C3-D9668E3E8446}" type="slidenum">
               <a:rPr lang="en-US" smtClean="0"/>
-              <a:t>8</a:t>
+              <a:t>9</a:t>
             </a:fld>
             <a:endParaRPr lang="en-US"/>
           </a:p>
@@ -18423,7 +22183,7 @@
                 </a:solidFill>
                 <a:cs typeface="Arial" panose="020B0604020202020204" pitchFamily="34" charset="0"/>
               </a:rPr>
-              <a:t>06 – Teste objetivo</a:t>
+              <a:t>07 – Teste objetivo</a:t>
             </a:r>
             <a:endParaRPr lang="en-US" sz="3600" b="1" dirty="0">
               <a:solidFill>
@@ -18606,7 +22366,7 @@
         </p:nvSpPr>
         <p:spPr>
           <a:xfrm>
-            <a:off x="9615540" y="2231409"/>
+            <a:off x="9424138" y="2229623"/>
             <a:ext cx="2247795" cy="276999"/>
           </a:xfrm>
           <a:prstGeom prst="rect">
@@ -18742,7 +22502,7 @@
         </p:nvSpPr>
         <p:spPr>
           <a:xfrm>
-            <a:off x="9658044" y="3202120"/>
+            <a:off x="9466642" y="3200334"/>
             <a:ext cx="1667508" cy="276999"/>
           </a:xfrm>
           <a:prstGeom prst="rect">
@@ -18798,7 +22558,7 @@
         </p:nvSpPr>
         <p:spPr>
           <a:xfrm>
-            <a:off x="11325552" y="3202119"/>
+            <a:off x="11134150" y="3200333"/>
             <a:ext cx="351923" cy="276999"/>
           </a:xfrm>
           <a:prstGeom prst="mathMultiply">
@@ -19438,7 +23198,7 @@
         </p:nvSpPr>
         <p:spPr>
           <a:xfrm>
-            <a:off x="10239098" y="1819375"/>
+            <a:off x="10047696" y="1817589"/>
             <a:ext cx="1000677" cy="369332"/>
           </a:xfrm>
           <a:prstGeom prst="rect">
@@ -20064,208 +23824,6 @@
       <p:bldP spid="34" grpId="0" animBg="1"/>
     </p:bldLst>
   </p:timing>
-</p:sld>
-</file>
-
-<file path=ppt/slides/slide9.xml><?xml version="1.0" encoding="utf-8"?>
-<p:sld xmlns:a="http://schemas.openxmlformats.org/drawingml/2006/main" xmlns:r="http://schemas.openxmlformats.org/officeDocument/2006/relationships" xmlns:p="http://schemas.openxmlformats.org/presentationml/2006/main">
-  <p:cSld>
-    <p:bg>
-      <p:bgPr>
-        <a:blipFill dpi="0" rotWithShape="1">
-          <a:blip r:embed="rId2">
-            <a:lum/>
-          </a:blip>
-          <a:srcRect/>
-          <a:stretch>
-            <a:fillRect/>
-          </a:stretch>
-        </a:blipFill>
-        <a:effectLst/>
-      </p:bgPr>
-    </p:bg>
-    <p:spTree>
-      <p:nvGrpSpPr>
-        <p:cNvPr id="1" name=""/>
-        <p:cNvGrpSpPr/>
-        <p:nvPr/>
-      </p:nvGrpSpPr>
-      <p:grpSpPr>
-        <a:xfrm>
-          <a:off x="0" y="0"/>
-          <a:ext cx="0" cy="0"/>
-          <a:chOff x="0" y="0"/>
-          <a:chExt cx="0" cy="0"/>
-        </a:xfrm>
-      </p:grpSpPr>
-      <p:sp>
-        <p:nvSpPr>
-          <p:cNvPr id="9" name="CaixaDeTexto 8">
-            <a:extLst>
-              <a:ext uri="{FF2B5EF4-FFF2-40B4-BE49-F238E27FC236}">
-                <a16:creationId xmlns:a16="http://schemas.microsoft.com/office/drawing/2014/main" id="{7CB4FF7E-7793-1055-7577-2849D86E70EC}"/>
-              </a:ext>
-            </a:extLst>
-          </p:cNvPr>
-          <p:cNvSpPr txBox="1"/>
-          <p:nvPr/>
-        </p:nvSpPr>
-        <p:spPr>
-          <a:xfrm>
-            <a:off x="5581650" y="3105834"/>
-            <a:ext cx="1028700" cy="646331"/>
-          </a:xfrm>
-          <a:prstGeom prst="rect">
-            <a:avLst/>
-          </a:prstGeom>
-          <a:noFill/>
-        </p:spPr>
-        <p:txBody>
-          <a:bodyPr wrap="square" rtlCol="0">
-            <a:spAutoFit/>
-          </a:bodyPr>
-          <a:lstStyle/>
-          <a:p>
-            <a:r>
-              <a:rPr lang="pt-PT" sz="3600" b="1" dirty="0">
-                <a:solidFill>
-                  <a:schemeClr val="bg1"/>
-                </a:solidFill>
-                <a:cs typeface="Arial" panose="020B0604020202020204" pitchFamily="34" charset="0"/>
-              </a:rPr>
-              <a:t>Fim!</a:t>
-            </a:r>
-            <a:endParaRPr lang="en-US" sz="3600" b="1" dirty="0">
-              <a:solidFill>
-                <a:schemeClr val="bg1"/>
-              </a:solidFill>
-              <a:cs typeface="Arial" panose="020B0604020202020204" pitchFamily="34" charset="0"/>
-            </a:endParaRPr>
-          </a:p>
-        </p:txBody>
-      </p:sp>
-      <p:sp>
-        <p:nvSpPr>
-          <p:cNvPr id="10" name="CaixaDeTexto 9">
-            <a:extLst>
-              <a:ext uri="{FF2B5EF4-FFF2-40B4-BE49-F238E27FC236}">
-                <a16:creationId xmlns:a16="http://schemas.microsoft.com/office/drawing/2014/main" id="{924C1F5A-A33C-B391-9FF7-FFD49ED2134E}"/>
-              </a:ext>
-            </a:extLst>
-          </p:cNvPr>
-          <p:cNvSpPr txBox="1"/>
-          <p:nvPr/>
-        </p:nvSpPr>
-        <p:spPr>
-          <a:xfrm>
-            <a:off x="8785621" y="5209490"/>
-            <a:ext cx="2324100" cy="369332"/>
-          </a:xfrm>
-          <a:prstGeom prst="rect">
-            <a:avLst/>
-          </a:prstGeom>
-          <a:noFill/>
-        </p:spPr>
-        <p:txBody>
-          <a:bodyPr wrap="square" rtlCol="0">
-            <a:spAutoFit/>
-          </a:bodyPr>
-          <a:lstStyle/>
-          <a:p>
-            <a:r>
-              <a:rPr lang="pt-PT" dirty="0">
-                <a:solidFill>
-                  <a:schemeClr val="bg1"/>
-                </a:solidFill>
-              </a:rPr>
-              <a:t>Trabalho realizado por: </a:t>
-            </a:r>
-            <a:endParaRPr lang="en-US" dirty="0">
-              <a:solidFill>
-                <a:schemeClr val="bg1"/>
-              </a:solidFill>
-            </a:endParaRPr>
-          </a:p>
-        </p:txBody>
-      </p:sp>
-      <p:sp>
-        <p:nvSpPr>
-          <p:cNvPr id="12" name="CaixaDeTexto 11">
-            <a:extLst>
-              <a:ext uri="{FF2B5EF4-FFF2-40B4-BE49-F238E27FC236}">
-                <a16:creationId xmlns:a16="http://schemas.microsoft.com/office/drawing/2014/main" id="{76735A41-40D1-747A-33E1-DB79749E9965}"/>
-              </a:ext>
-            </a:extLst>
-          </p:cNvPr>
-          <p:cNvSpPr txBox="1"/>
-          <p:nvPr/>
-        </p:nvSpPr>
-        <p:spPr>
-          <a:xfrm>
-            <a:off x="8785621" y="5578822"/>
-            <a:ext cx="3307557" cy="861774"/>
-          </a:xfrm>
-          <a:prstGeom prst="rect">
-            <a:avLst/>
-          </a:prstGeom>
-          <a:noFill/>
-        </p:spPr>
-        <p:txBody>
-          <a:bodyPr wrap="square" rtlCol="0">
-            <a:spAutoFit/>
-          </a:bodyPr>
-          <a:lstStyle/>
-          <a:p>
-            <a:pPr marL="285750" indent="-285750">
-              <a:buFont typeface="Arial" panose="020B0604020202020204" pitchFamily="34" charset="0"/>
-              <a:buChar char="•"/>
-            </a:pPr>
-            <a:r>
-              <a:rPr lang="pt-BR" sz="1600" dirty="0">
-                <a:solidFill>
-                  <a:schemeClr val="bg1"/>
-                </a:solidFill>
-              </a:rPr>
-              <a:t>Gonçalo Bárias (103124)</a:t>
-            </a:r>
-          </a:p>
-          <a:p>
-            <a:pPr marL="285750" indent="-285750">
-              <a:buFont typeface="Arial" panose="020B0604020202020204" pitchFamily="34" charset="0"/>
-              <a:buChar char="•"/>
-            </a:pPr>
-            <a:r>
-              <a:rPr lang="pt-BR" sz="1600" dirty="0">
-                <a:solidFill>
-                  <a:schemeClr val="bg1"/>
-                </a:solidFill>
-              </a:rPr>
-              <a:t>Raquel Braunshweig (102624)</a:t>
-            </a:r>
-            <a:endParaRPr lang="en-US" sz="1600" dirty="0">
-              <a:solidFill>
-                <a:schemeClr val="bg1"/>
-              </a:solidFill>
-            </a:endParaRPr>
-          </a:p>
-          <a:p>
-            <a:endParaRPr lang="en-US" dirty="0"/>
-          </a:p>
-        </p:txBody>
-      </p:sp>
-    </p:spTree>
-    <p:extLst>
-      <p:ext uri="{BB962C8B-B14F-4D97-AF65-F5344CB8AC3E}">
-        <p14:creationId xmlns:p14="http://schemas.microsoft.com/office/powerpoint/2010/main" val="4289374786"/>
-      </p:ext>
-    </p:extLst>
-  </p:cSld>
-  <p:clrMapOvr>
-    <a:masterClrMapping/>
-  </p:clrMapOvr>
-  <p:transition spd="slow">
-    <p:push dir="u"/>
-  </p:transition>
 </p:sld>
 </file>
 
